--- a/Daily(written_in_Korean)/181207.pptx
+++ b/Daily(written_in_Korean)/181207.pptx
@@ -5,22 +5,21 @@
     <p:sldMasterId id="2147483698" r:id="rId1"/>
   </p:sldMasterIdLst>
   <p:notesMasterIdLst>
-    <p:notesMasterId r:id="rId12"/>
+    <p:notesMasterId r:id="rId11"/>
   </p:notesMasterIdLst>
   <p:handoutMasterIdLst>
-    <p:handoutMasterId r:id="rId13"/>
+    <p:handoutMasterId r:id="rId12"/>
   </p:handoutMasterIdLst>
   <p:sldIdLst>
     <p:sldId id="712" r:id="rId2"/>
     <p:sldId id="713" r:id="rId3"/>
-    <p:sldId id="717" r:id="rId4"/>
-    <p:sldId id="719" r:id="rId5"/>
-    <p:sldId id="711" r:id="rId6"/>
-    <p:sldId id="718" r:id="rId7"/>
-    <p:sldId id="722" r:id="rId8"/>
-    <p:sldId id="721" r:id="rId9"/>
-    <p:sldId id="710" r:id="rId10"/>
-    <p:sldId id="714" r:id="rId11"/>
+    <p:sldId id="719" r:id="rId4"/>
+    <p:sldId id="711" r:id="rId5"/>
+    <p:sldId id="718" r:id="rId6"/>
+    <p:sldId id="722" r:id="rId7"/>
+    <p:sldId id="721" r:id="rId8"/>
+    <p:sldId id="710" r:id="rId9"/>
+    <p:sldId id="714" r:id="rId10"/>
   </p:sldIdLst>
   <p:sldSz cx="9144000" cy="6858000" type="screen4x3"/>
   <p:notesSz cx="9928225" cy="6797675"/>
@@ -690,7 +689,6 @@
     </c:plotArea>
     <c:legend>
       <c:legendPos val="r"/>
-      <c:layout/>
       <c:overlay val="0"/>
       <c:spPr>
         <a:noFill/>
@@ -1263,7 +1261,6 @@
     </c:plotArea>
     <c:legend>
       <c:legendPos val="r"/>
-      <c:layout/>
       <c:overlay val="0"/>
       <c:spPr>
         <a:noFill/>
@@ -1836,7 +1833,6 @@
     </c:plotArea>
     <c:legend>
       <c:legendPos val="r"/>
-      <c:layout/>
       <c:overlay val="0"/>
       <c:spPr>
         <a:noFill/>
@@ -3661,7 +3657,7 @@
               <a:pPr>
                 <a:defRPr/>
               </a:pPr>
-              <a:t>2018-12-06</a:t>
+              <a:t>2018-12-07</a:t>
             </a:fld>
             <a:endParaRPr lang="ko-KR" altLang="en-US"/>
           </a:p>
@@ -4872,7 +4868,7 @@
               <a:pPr>
                 <a:defRPr/>
               </a:pPr>
-              <a:t>5</a:t>
+              <a:t>4</a:t>
             </a:fld>
             <a:endParaRPr lang="en-US" altLang="ko-KR"/>
           </a:p>
@@ -4962,7 +4958,7 @@
               <a:pPr>
                 <a:defRPr/>
               </a:pPr>
-              <a:t>9</a:t>
+              <a:t>8</a:t>
             </a:fld>
             <a:endParaRPr lang="en-US" altLang="ko-KR"/>
           </a:p>
@@ -10148,133 +10144,6 @@
 </p:sld>
 </file>
 
-<file path=ppt/slides/slide10.xml><?xml version="1.0" encoding="utf-8"?>
-<p:sld xmlns:a="http://schemas.openxmlformats.org/drawingml/2006/main" xmlns:r="http://schemas.openxmlformats.org/officeDocument/2006/relationships" xmlns:p="http://schemas.openxmlformats.org/presentationml/2006/main">
-  <p:cSld>
-    <p:spTree>
-      <p:nvGrpSpPr>
-        <p:cNvPr id="1" name=""/>
-        <p:cNvGrpSpPr/>
-        <p:nvPr/>
-      </p:nvGrpSpPr>
-      <p:grpSpPr>
-        <a:xfrm>
-          <a:off x="0" y="0"/>
-          <a:ext cx="0" cy="0"/>
-          <a:chOff x="0" y="0"/>
-          <a:chExt cx="0" cy="0"/>
-        </a:xfrm>
-      </p:grpSpPr>
-      <p:sp>
-        <p:nvSpPr>
-          <p:cNvPr id="2" name="제목 1"/>
-          <p:cNvSpPr>
-            <a:spLocks noGrp="1"/>
-          </p:cNvSpPr>
-          <p:nvPr>
-            <p:ph type="title"/>
-          </p:nvPr>
-        </p:nvSpPr>
-        <p:spPr/>
-        <p:txBody>
-          <a:bodyPr/>
-          <a:lstStyle/>
-          <a:p>
-            <a:r>
-              <a:rPr lang="en-US" altLang="ko-KR" dirty="0" smtClean="0"/>
-              <a:t>Future work</a:t>
-            </a:r>
-            <a:endParaRPr lang="ko-KR" altLang="en-US" dirty="0"/>
-          </a:p>
-        </p:txBody>
-      </p:sp>
-      <p:sp>
-        <p:nvSpPr>
-          <p:cNvPr id="3" name="내용 개체 틀 2"/>
-          <p:cNvSpPr>
-            <a:spLocks noGrp="1"/>
-          </p:cNvSpPr>
-          <p:nvPr>
-            <p:ph idx="1"/>
-          </p:nvPr>
-        </p:nvSpPr>
-        <p:spPr/>
-        <p:txBody>
-          <a:bodyPr/>
-          <a:lstStyle/>
-          <a:p>
-            <a:r>
-              <a:rPr lang="en-US" altLang="ko-KR" dirty="0" smtClean="0"/>
-              <a:t>Bandwidth modeling</a:t>
-            </a:r>
-            <a:endParaRPr lang="en-US" altLang="ko-KR" dirty="0" smtClean="0"/>
-          </a:p>
-          <a:p>
-            <a:pPr lvl="1"/>
-            <a:r>
-              <a:rPr lang="en-US" altLang="ko-KR" dirty="0" smtClean="0"/>
-              <a:t>Find relationship between Bandwidth and PLR</a:t>
-            </a:r>
-            <a:endParaRPr lang="en-US" altLang="ko-KR" dirty="0" smtClean="0"/>
-          </a:p>
-          <a:p>
-            <a:r>
-              <a:rPr lang="en-US" altLang="ko-KR" dirty="0" smtClean="0"/>
-              <a:t>Modify Algorithm detail</a:t>
-            </a:r>
-            <a:endParaRPr lang="en-US" altLang="ko-KR" dirty="0" smtClean="0"/>
-          </a:p>
-        </p:txBody>
-      </p:sp>
-      <p:sp>
-        <p:nvSpPr>
-          <p:cNvPr id="4" name="슬라이드 번호 개체 틀 3"/>
-          <p:cNvSpPr>
-            <a:spLocks noGrp="1"/>
-          </p:cNvSpPr>
-          <p:nvPr>
-            <p:ph type="sldNum" sz="quarter" idx="10"/>
-          </p:nvPr>
-        </p:nvSpPr>
-        <p:spPr/>
-        <p:txBody>
-          <a:bodyPr/>
-          <a:lstStyle/>
-          <a:p>
-            <a:pPr>
-              <a:defRPr/>
-            </a:pPr>
-            <a:fld id="{3AC61161-2E5C-46D0-95EC-509A5D61BACE}" type="slidenum">
-              <a:rPr lang="en-US" altLang="ko-KR" smtClean="0"/>
-              <a:pPr>
-                <a:defRPr/>
-              </a:pPr>
-              <a:t>10</a:t>
-            </a:fld>
-            <a:endParaRPr lang="en-US" altLang="ko-KR" dirty="0"/>
-          </a:p>
-        </p:txBody>
-      </p:sp>
-    </p:spTree>
-    <p:extLst>
-      <p:ext uri="{BB962C8B-B14F-4D97-AF65-F5344CB8AC3E}">
-        <p14:creationId xmlns:p14="http://schemas.microsoft.com/office/powerpoint/2010/main" val="982302902"/>
-      </p:ext>
-    </p:extLst>
-  </p:cSld>
-  <p:clrMapOvr>
-    <a:masterClrMapping/>
-  </p:clrMapOvr>
-  <p:timing>
-    <p:tnLst>
-      <p:par>
-        <p:cTn id="1" dur="indefinite" restart="never" nodeType="tmRoot"/>
-      </p:par>
-    </p:tnLst>
-  </p:timing>
-</p:sld>
-</file>
-
 <file path=ppt/slides/slide2.xml><?xml version="1.0" encoding="utf-8"?>
 <p:sld xmlns:a="http://schemas.openxmlformats.org/drawingml/2006/main" xmlns:r="http://schemas.openxmlformats.org/officeDocument/2006/relationships" xmlns:p="http://schemas.openxmlformats.org/presentationml/2006/main">
   <p:cSld>
@@ -10582,7 +10451,6 @@
               <a:rPr lang="en-US" altLang="ko-KR" sz="2000" dirty="0" smtClean="0"/>
               <a:t>Fairness</a:t>
             </a:r>
-            <a:endParaRPr lang="en-US" altLang="ko-KR" sz="2000" dirty="0" smtClean="0"/>
           </a:p>
           <a:p>
             <a:pPr marL="648000" lvl="1" indent="-285750" fontAlgn="t">
@@ -10617,7 +10485,6 @@
               <a:rPr lang="en-US" altLang="ko-KR" sz="2000" dirty="0" smtClean="0"/>
               <a:t>Determine AP</a:t>
             </a:r>
-            <a:endParaRPr lang="en-US" altLang="ko-KR" sz="2000" dirty="0" smtClean="0"/>
           </a:p>
           <a:p>
             <a:pPr marL="648000" lvl="1" indent="-285750" fontAlgn="t">
@@ -10755,263 +10622,8 @@
           </a:p>
         </p:txBody>
       </p:sp>
-      <p:sp>
-        <p:nvSpPr>
-          <p:cNvPr id="3" name="내용 개체 틀 2"/>
-          <p:cNvSpPr>
-            <a:spLocks noGrp="1"/>
-          </p:cNvSpPr>
-          <p:nvPr>
-            <p:ph idx="1"/>
-          </p:nvPr>
-        </p:nvSpPr>
-        <p:spPr/>
-        <p:txBody>
-          <a:bodyPr>
-            <a:normAutofit/>
-          </a:bodyPr>
-          <a:lstStyle/>
-          <a:p>
-            <a:r>
-              <a:rPr lang="en-US" altLang="ko-KR" dirty="0" smtClean="0"/>
-              <a:t>Proportional fairness</a:t>
-            </a:r>
-            <a:endParaRPr lang="en-US" altLang="ko-KR" dirty="0"/>
-          </a:p>
-          <a:p>
-            <a:pPr lvl="1"/>
-            <a:endParaRPr lang="en-US" altLang="ko-KR" dirty="0" smtClean="0"/>
-          </a:p>
-          <a:p>
-            <a:pPr lvl="1"/>
-            <a:endParaRPr lang="en-US" altLang="ko-KR" dirty="0"/>
-          </a:p>
-          <a:p>
-            <a:pPr lvl="1"/>
-            <a:endParaRPr lang="en-US" altLang="ko-KR" dirty="0" smtClean="0"/>
-          </a:p>
-          <a:p>
-            <a:pPr lvl="1"/>
-            <a:endParaRPr lang="en-US" altLang="ko-KR" dirty="0"/>
-          </a:p>
-          <a:p>
-            <a:pPr lvl="2"/>
-            <a:endParaRPr lang="en-US" altLang="ko-KR" dirty="0" smtClean="0"/>
-          </a:p>
-          <a:p>
-            <a:pPr marL="457200" lvl="1" indent="0">
-              <a:buNone/>
-            </a:pPr>
-            <a:endParaRPr lang="en-US" altLang="ko-KR" dirty="0" smtClean="0"/>
-          </a:p>
-          <a:p>
-            <a:pPr marL="457200" lvl="1" indent="0">
-              <a:buNone/>
-            </a:pPr>
-            <a:endParaRPr lang="en-US" altLang="ko-KR" dirty="0"/>
-          </a:p>
-          <a:p>
-            <a:pPr marL="457200" lvl="1" indent="0">
-              <a:buNone/>
-            </a:pPr>
-            <a:endParaRPr lang="en-US" altLang="ko-KR" dirty="0" smtClean="0"/>
-          </a:p>
-          <a:p>
-            <a:pPr marL="457200" lvl="1" indent="0">
-              <a:buNone/>
-            </a:pPr>
-            <a:endParaRPr lang="en-US" altLang="ko-KR" dirty="0"/>
-          </a:p>
-          <a:p>
-            <a:pPr marL="457200" lvl="1" indent="0">
-              <a:buNone/>
-            </a:pPr>
-            <a:endParaRPr lang="en-US" altLang="ko-KR" dirty="0" smtClean="0"/>
-          </a:p>
-          <a:p>
-            <a:pPr marL="457200" lvl="1" indent="0">
-              <a:buNone/>
-            </a:pPr>
-            <a:endParaRPr lang="en-US" altLang="ko-KR" dirty="0"/>
-          </a:p>
-          <a:p>
-            <a:pPr marL="457200" lvl="1" indent="0">
-              <a:buNone/>
-            </a:pPr>
-            <a:endParaRPr lang="en-US" altLang="ko-KR" dirty="0" smtClean="0"/>
-          </a:p>
-        </p:txBody>
-      </p:sp>
-      <p:sp>
-        <p:nvSpPr>
-          <p:cNvPr id="4" name="슬라이드 번호 개체 틀 3"/>
-          <p:cNvSpPr>
-            <a:spLocks noGrp="1"/>
-          </p:cNvSpPr>
-          <p:nvPr>
-            <p:ph type="sldNum" sz="quarter" idx="10"/>
-          </p:nvPr>
-        </p:nvSpPr>
-        <p:spPr/>
-        <p:txBody>
-          <a:bodyPr/>
-          <a:lstStyle/>
-          <a:p>
-            <a:pPr>
-              <a:defRPr/>
-            </a:pPr>
-            <a:fld id="{3AC61161-2E5C-46D0-95EC-509A5D61BACE}" type="slidenum">
-              <a:rPr lang="en-US" altLang="ko-KR" smtClean="0"/>
-              <a:pPr>
-                <a:defRPr/>
-              </a:pPr>
-              <a:t>3</a:t>
-            </a:fld>
-            <a:endParaRPr lang="en-US" altLang="ko-KR" dirty="0"/>
-          </a:p>
-        </p:txBody>
-      </p:sp>
-      <p:pic>
-        <p:nvPicPr>
-          <p:cNvPr id="7" name="그림 6"/>
-          <p:cNvPicPr>
-            <a:picLocks noChangeAspect="1"/>
-          </p:cNvPicPr>
-          <p:nvPr/>
-        </p:nvPicPr>
-        <p:blipFill>
-          <a:blip r:embed="rId2"/>
-          <a:stretch>
-            <a:fillRect/>
-          </a:stretch>
-        </p:blipFill>
-        <p:spPr>
-          <a:xfrm>
-            <a:off x="395536" y="1110620"/>
-            <a:ext cx="6426299" cy="3476864"/>
-          </a:xfrm>
-          <a:prstGeom prst="rect">
-            <a:avLst/>
-          </a:prstGeom>
-        </p:spPr>
-      </p:pic>
-      <p:sp>
-        <p:nvSpPr>
-          <p:cNvPr id="8" name="직사각형 7"/>
-          <p:cNvSpPr/>
-          <p:nvPr/>
-        </p:nvSpPr>
-        <p:spPr>
-          <a:xfrm>
-            <a:off x="2195736" y="4790054"/>
-            <a:ext cx="5094312" cy="246221"/>
-          </a:xfrm>
-          <a:prstGeom prst="rect">
-            <a:avLst/>
-          </a:prstGeom>
-        </p:spPr>
-        <p:txBody>
-          <a:bodyPr wrap="square">
-            <a:spAutoFit/>
-          </a:bodyPr>
-          <a:lstStyle/>
-          <a:p>
-            <a:r>
-              <a:rPr lang="en-US" altLang="ko-KR" sz="1000" dirty="0" smtClean="0"/>
-              <a:t>&lt; </a:t>
-            </a:r>
-            <a:r>
-              <a:rPr lang="ko-KR" altLang="en-US" sz="1000" dirty="0" smtClean="0">
-                <a:hlinkClick r:id="rId3"/>
-              </a:rPr>
-              <a:t>https</a:t>
-            </a:r>
-            <a:r>
-              <a:rPr lang="ko-KR" altLang="en-US" sz="1000" dirty="0">
-                <a:hlinkClick r:id="rId3"/>
-              </a:rPr>
-              <a:t>://</a:t>
-            </a:r>
-            <a:r>
-              <a:rPr lang="ko-KR" altLang="en-US" sz="1000" dirty="0" smtClean="0">
-                <a:hlinkClick r:id="rId3"/>
-              </a:rPr>
-              <a:t>slideplayer.com/slide/9817360/32/images/18/Proportional+Fairness.jpg</a:t>
-            </a:r>
-            <a:r>
-              <a:rPr lang="ko-KR" altLang="en-US" sz="1000" dirty="0" smtClean="0"/>
-              <a:t> </a:t>
-            </a:r>
-            <a:r>
-              <a:rPr lang="en-US" altLang="ko-KR" sz="1000" dirty="0" smtClean="0"/>
-              <a:t>&gt;</a:t>
-            </a:r>
-            <a:endParaRPr lang="ko-KR" altLang="en-US" sz="1000" dirty="0"/>
-          </a:p>
-        </p:txBody>
-      </p:sp>
-    </p:spTree>
-    <p:extLst>
-      <p:ext uri="{BB962C8B-B14F-4D97-AF65-F5344CB8AC3E}">
-        <p14:creationId xmlns:p14="http://schemas.microsoft.com/office/powerpoint/2010/main" val="378471164"/>
-      </p:ext>
-    </p:extLst>
-  </p:cSld>
-  <p:clrMapOvr>
-    <a:masterClrMapping/>
-  </p:clrMapOvr>
-  <p:timing>
-    <p:tnLst>
-      <p:par>
-        <p:cTn id="1" dur="indefinite" restart="never" nodeType="tmRoot"/>
-      </p:par>
-    </p:tnLst>
-  </p:timing>
-</p:sld>
-</file>
-
-<file path=ppt/slides/slide4.xml><?xml version="1.0" encoding="utf-8"?>
-<p:sld xmlns:a="http://schemas.openxmlformats.org/drawingml/2006/main" xmlns:r="http://schemas.openxmlformats.org/officeDocument/2006/relationships" xmlns:p="http://schemas.openxmlformats.org/presentationml/2006/main">
-  <p:cSld>
-    <p:spTree>
-      <p:nvGrpSpPr>
-        <p:cNvPr id="1" name=""/>
-        <p:cNvGrpSpPr/>
-        <p:nvPr/>
-      </p:nvGrpSpPr>
-      <p:grpSpPr>
-        <a:xfrm>
-          <a:off x="0" y="0"/>
-          <a:ext cx="0" cy="0"/>
-          <a:chOff x="0" y="0"/>
-          <a:chExt cx="0" cy="0"/>
-        </a:xfrm>
-      </p:grpSpPr>
-      <p:sp>
-        <p:nvSpPr>
-          <p:cNvPr id="2" name="제목 1"/>
-          <p:cNvSpPr>
-            <a:spLocks noGrp="1"/>
-          </p:cNvSpPr>
-          <p:nvPr>
-            <p:ph type="title"/>
-          </p:nvPr>
-        </p:nvSpPr>
-        <p:spPr/>
-        <p:txBody>
-          <a:bodyPr/>
-          <a:lstStyle/>
-          <a:p>
-            <a:r>
-              <a:rPr lang="en-US" altLang="ko-KR" dirty="0" smtClean="0"/>
-              <a:t>Fairness</a:t>
-            </a:r>
-            <a:endParaRPr lang="ko-KR" altLang="en-US" dirty="0"/>
-          </a:p>
-        </p:txBody>
-      </p:sp>
-      <mc:AlternateContent xmlns:mc="http://schemas.openxmlformats.org/markup-compatibility/2006">
-        <mc:Choice xmlns:a14="http://schemas.microsoft.com/office/drawing/2010/main" Requires="a14">
+      <mc:AlternateContent xmlns:mc="http://schemas.openxmlformats.org/markup-compatibility/2006" xmlns:a14="http://schemas.microsoft.com/office/drawing/2010/main">
+        <mc:Choice Requires="a14">
           <p:sp>
             <p:nvSpPr>
               <p:cNvPr id="3" name="내용 개체 틀 2"/>
@@ -11482,7 +11094,7 @@
                             <m:begChr m:val="|"/>
                             <m:endChr m:val="|"/>
                             <m:ctrlPr>
-                              <a:rPr lang="en-US" altLang="ko-KR" kern="100">
+                              <a:rPr lang="en-US" altLang="ko-KR" i="1" kern="100">
                                 <a:latin typeface="Cambria Math" panose="02040503050406030204" pitchFamily="18" charset="0"/>
                               </a:rPr>
                             </m:ctrlPr>
@@ -11534,7 +11146,7 @@
                                 <m:begChr m:val="|"/>
                                 <m:endChr m:val="|"/>
                                 <m:ctrlPr>
-                                  <a:rPr lang="en-US" altLang="ko-KR" kern="100">
+                                  <a:rPr lang="en-US" altLang="ko-KR" i="1" kern="100">
                                     <a:latin typeface="Cambria Math" panose="02040503050406030204" pitchFamily="18" charset="0"/>
                                   </a:rPr>
                                 </m:ctrlPr>
@@ -12137,7 +11749,7 @@
             </p:txBody>
           </p:sp>
         </mc:Choice>
-        <mc:Fallback>
+        <mc:Fallback xmlns="">
           <p:sp>
             <p:nvSpPr>
               <p:cNvPr id="3" name="내용 개체 틀 2"/>
@@ -12194,14 +11806,14 @@
               <a:pPr>
                 <a:defRPr/>
               </a:pPr>
-              <a:t>4</a:t>
+              <a:t>3</a:t>
             </a:fld>
             <a:endParaRPr lang="en-US" altLang="ko-KR" dirty="0"/>
           </a:p>
         </p:txBody>
       </p:sp>
-      <mc:AlternateContent xmlns:mc="http://schemas.openxmlformats.org/markup-compatibility/2006">
-        <mc:Choice xmlns:a14="http://schemas.microsoft.com/office/drawing/2010/main" Requires="a14">
+      <mc:AlternateContent xmlns:mc="http://schemas.openxmlformats.org/markup-compatibility/2006" xmlns:a14="http://schemas.microsoft.com/office/drawing/2010/main">
+        <mc:Choice Requires="a14">
           <p:graphicFrame>
             <p:nvGraphicFramePr>
               <p:cNvPr id="5" name="표 4"/>
@@ -12218,7 +11830,7 @@
             </p:nvGraphicFramePr>
             <p:xfrm>
               <a:off x="1649095" y="1916832"/>
-              <a:ext cx="5868035" cy="2425638"/>
+              <a:ext cx="5868035" cy="2386077"/>
             </p:xfrm>
             <a:graphic>
               <a:graphicData uri="http://schemas.openxmlformats.org/drawingml/2006/table">
@@ -12297,8 +11909,9 @@
                               <m:sSub>
                                 <m:sSubPr>
                                   <m:ctrlPr>
-                                    <a:rPr lang="ko-KR" sz="1200" kern="100">
+                                    <a:rPr lang="ko-KR" sz="1200" i="1" kern="100">
                                       <a:effectLst/>
+                                      <a:latin typeface="Cambria Math" panose="02040503050406030204" pitchFamily="18" charset="0"/>
                                     </a:rPr>
                                   </m:ctrlPr>
                                 </m:sSubPr>
@@ -12306,6 +11919,7 @@
                                   <m:r>
                                     <a:rPr lang="en-US" sz="1200" kern="100">
                                       <a:effectLst/>
+                                      <a:latin typeface="Cambria Math" panose="02040503050406030204" pitchFamily="18" charset="0"/>
                                     </a:rPr>
                                     <m:t>𝑝</m:t>
                                   </m:r>
@@ -12314,18 +11928,21 @@
                                   <m:r>
                                     <a:rPr lang="en-US" sz="1200" kern="100">
                                       <a:effectLst/>
+                                      <a:latin typeface="Cambria Math" panose="02040503050406030204" pitchFamily="18" charset="0"/>
                                     </a:rPr>
                                     <m:t>𝑖</m:t>
                                   </m:r>
                                   <m:r>
                                     <a:rPr lang="en-US" sz="1200" kern="100">
                                       <a:effectLst/>
+                                      <a:latin typeface="Cambria Math" panose="02040503050406030204" pitchFamily="18" charset="0"/>
                                     </a:rPr>
                                     <m:t>,</m:t>
                                   </m:r>
                                   <m:r>
                                     <a:rPr lang="en-US" sz="1200" kern="100">
                                       <a:effectLst/>
+                                      <a:latin typeface="Cambria Math" panose="02040503050406030204" pitchFamily="18" charset="0"/>
                                     </a:rPr>
                                     <m:t>𝑗</m:t>
                                   </m:r>
@@ -12334,86 +11951,100 @@
                               <m:r>
                                 <a:rPr lang="en-US" sz="1200" kern="100">
                                   <a:effectLst/>
+                                  <a:latin typeface="Cambria Math" panose="02040503050406030204" pitchFamily="18" charset="0"/>
                                 </a:rPr>
                                 <m:t> </m:t>
                               </m:r>
                               <m:r>
                                 <a:rPr lang="en-US" sz="1200" kern="100">
                                   <a:effectLst/>
+                                  <a:latin typeface="Cambria Math" panose="02040503050406030204" pitchFamily="18" charset="0"/>
                                 </a:rPr>
                                 <m:t>𝑓𝑜𝑟</m:t>
                               </m:r>
                               <m:r>
                                 <a:rPr lang="en-US" sz="1200" kern="100">
                                   <a:effectLst/>
+                                  <a:latin typeface="Cambria Math" panose="02040503050406030204" pitchFamily="18" charset="0"/>
                                 </a:rPr>
                                 <m:t> ∀ </m:t>
                               </m:r>
                               <m:r>
                                 <a:rPr lang="en-US" sz="1200" kern="100">
                                   <a:effectLst/>
+                                  <a:latin typeface="Cambria Math" panose="02040503050406030204" pitchFamily="18" charset="0"/>
                                 </a:rPr>
                                 <m:t>𝑖</m:t>
                               </m:r>
                               <m:r>
                                 <a:rPr lang="en-US" sz="1200" kern="100">
                                   <a:effectLst/>
+                                  <a:latin typeface="Cambria Math" panose="02040503050406030204" pitchFamily="18" charset="0"/>
                                 </a:rPr>
                                 <m:t>∈</m:t>
                               </m:r>
                               <m:r>
                                 <a:rPr lang="en-US" sz="1200" kern="100">
                                   <a:effectLst/>
+                                  <a:latin typeface="Cambria Math" panose="02040503050406030204" pitchFamily="18" charset="0"/>
                                 </a:rPr>
                                 <m:t>𝑁</m:t>
                               </m:r>
                               <m:r>
                                 <a:rPr lang="en-US" sz="1200" kern="100">
                                   <a:effectLst/>
+                                  <a:latin typeface="Cambria Math" panose="02040503050406030204" pitchFamily="18" charset="0"/>
                                 </a:rPr>
                                 <m:t>, ∀ </m:t>
                               </m:r>
                               <m:r>
                                 <a:rPr lang="en-US" sz="1200" kern="100">
                                   <a:effectLst/>
+                                  <a:latin typeface="Cambria Math" panose="02040503050406030204" pitchFamily="18" charset="0"/>
                                 </a:rPr>
                                 <m:t>𝑗</m:t>
                               </m:r>
                               <m:r>
                                 <a:rPr lang="en-US" sz="1200" kern="100">
                                   <a:effectLst/>
+                                  <a:latin typeface="Cambria Math" panose="02040503050406030204" pitchFamily="18" charset="0"/>
                                 </a:rPr>
                                 <m:t>∈</m:t>
                               </m:r>
                               <m:r>
                                 <a:rPr lang="en-US" sz="1200" kern="100">
                                   <a:effectLst/>
+                                  <a:latin typeface="Cambria Math" panose="02040503050406030204" pitchFamily="18" charset="0"/>
                                 </a:rPr>
                                 <m:t>𝑀</m:t>
                               </m:r>
                               <m:r>
                                 <a:rPr lang="en-US" sz="1200" kern="100">
                                   <a:effectLst/>
+                                  <a:latin typeface="Cambria Math" panose="02040503050406030204" pitchFamily="18" charset="0"/>
                                 </a:rPr>
                                 <m:t> </m:t>
                               </m:r>
                               <m:r>
                                 <a:rPr lang="en-US" sz="1200" kern="100">
                                   <a:effectLst/>
+                                  <a:latin typeface="Cambria Math" panose="02040503050406030204" pitchFamily="18" charset="0"/>
                                 </a:rPr>
                                 <m:t>𝑎𝑛𝑑</m:t>
                               </m:r>
                               <m:r>
                                 <a:rPr lang="en-US" sz="1200" kern="100">
                                   <a:effectLst/>
+                                  <a:latin typeface="Cambria Math" panose="02040503050406030204" pitchFamily="18" charset="0"/>
                                 </a:rPr>
                                 <m:t> </m:t>
                               </m:r>
                               <m:sSubSup>
                                 <m:sSubSupPr>
                                   <m:ctrlPr>
-                                    <a:rPr lang="ko-KR" sz="1200" kern="100">
+                                    <a:rPr lang="ko-KR" sz="1200" i="1" kern="100">
                                       <a:effectLst/>
+                                      <a:latin typeface="Cambria Math" panose="02040503050406030204" pitchFamily="18" charset="0"/>
                                     </a:rPr>
                                   </m:ctrlPr>
                                 </m:sSubSupPr>
@@ -12421,6 +12052,7 @@
                                   <m:r>
                                     <a:rPr lang="en-US" sz="1200" kern="100">
                                       <a:effectLst/>
+                                      <a:latin typeface="Cambria Math" panose="02040503050406030204" pitchFamily="18" charset="0"/>
                                     </a:rPr>
                                     <m:t>𝑟</m:t>
                                   </m:r>
@@ -12429,18 +12061,21 @@
                                   <m:r>
                                     <a:rPr lang="en-US" sz="1200" kern="100">
                                       <a:effectLst/>
+                                      <a:latin typeface="Cambria Math" panose="02040503050406030204" pitchFamily="18" charset="0"/>
                                     </a:rPr>
                                     <m:t>𝑖</m:t>
                                   </m:r>
                                   <m:r>
                                     <a:rPr lang="en-US" sz="1200" kern="100">
                                       <a:effectLst/>
+                                      <a:latin typeface="Cambria Math" panose="02040503050406030204" pitchFamily="18" charset="0"/>
                                     </a:rPr>
                                     <m:t>,</m:t>
                                   </m:r>
                                   <m:r>
                                     <a:rPr lang="en-US" sz="1200" kern="100">
                                       <a:effectLst/>
+                                      <a:latin typeface="Cambria Math" panose="02040503050406030204" pitchFamily="18" charset="0"/>
                                     </a:rPr>
                                     <m:t>𝑗</m:t>
                                   </m:r>
@@ -12449,6 +12084,7 @@
                                   <m:r>
                                     <a:rPr lang="en-US" sz="1200" kern="100">
                                       <a:effectLst/>
+                                      <a:latin typeface="Cambria Math" panose="02040503050406030204" pitchFamily="18" charset="0"/>
                                     </a:rPr>
                                     <m:t>𝑠𝑢𝑝</m:t>
                                   </m:r>
@@ -12457,42 +12093,49 @@
                               <m:r>
                                 <a:rPr lang="en-US" sz="1200" kern="100">
                                   <a:effectLst/>
+                                  <a:latin typeface="Cambria Math" panose="02040503050406030204" pitchFamily="18" charset="0"/>
                                 </a:rPr>
                                 <m:t> </m:t>
                               </m:r>
                               <m:r>
                                 <a:rPr lang="en-US" sz="1200" kern="100">
                                   <a:effectLst/>
+                                  <a:latin typeface="Cambria Math" panose="02040503050406030204" pitchFamily="18" charset="0"/>
                                 </a:rPr>
                                 <m:t>𝑓𝑜𝑟</m:t>
                               </m:r>
                               <m:r>
                                 <a:rPr lang="en-US" sz="1200" kern="100">
                                   <a:effectLst/>
+                                  <a:latin typeface="Cambria Math" panose="02040503050406030204" pitchFamily="18" charset="0"/>
                                 </a:rPr>
                                 <m:t> ∀ </m:t>
                               </m:r>
                               <m:r>
                                 <a:rPr lang="en-US" sz="1200" kern="100">
                                   <a:effectLst/>
+                                  <a:latin typeface="Cambria Math" panose="02040503050406030204" pitchFamily="18" charset="0"/>
                                 </a:rPr>
                                 <m:t>𝑖</m:t>
                               </m:r>
                               <m:r>
                                 <a:rPr lang="en-US" sz="1200" kern="100">
                                   <a:effectLst/>
+                                  <a:latin typeface="Cambria Math" panose="02040503050406030204" pitchFamily="18" charset="0"/>
                                 </a:rPr>
                                 <m:t>∈</m:t>
                               </m:r>
                               <m:r>
                                 <a:rPr lang="en-US" sz="1200" kern="100">
                                   <a:effectLst/>
+                                  <a:latin typeface="Cambria Math" panose="02040503050406030204" pitchFamily="18" charset="0"/>
                                 </a:rPr>
                                 <m:t>𝑁</m:t>
                               </m:r>
                               <m:r>
                                 <a:rPr lang="en-US" sz="1200" kern="100">
                                   <a:effectLst/>
+                                  <a:latin typeface="Cambria Math" panose="02040503050406030204" pitchFamily="18" charset="0"/>
                                 </a:rPr>
                                 <m:t> </m:t>
                               </m:r>
@@ -12602,8 +12245,9 @@
                                   <m:naryPr>
                                     <m:chr m:val="∑"/>
                                     <m:ctrlPr>
-                                      <a:rPr lang="ko-KR" sz="1200" kern="100">
+                                      <a:rPr lang="ko-KR" sz="1200" i="1" kern="100">
                                         <a:effectLst/>
+                                        <a:latin typeface="Cambria Math" panose="02040503050406030204" pitchFamily="18" charset="0"/>
                                       </a:rPr>
                                     </m:ctrlPr>
                                   </m:naryPr>
@@ -12611,18 +12255,21 @@
                                     <m:r>
                                       <a:rPr lang="en-US" sz="1200" kern="100">
                                         <a:effectLst/>
+                                        <a:latin typeface="Cambria Math" panose="02040503050406030204" pitchFamily="18" charset="0"/>
                                       </a:rPr>
                                       <m:t>𝒊</m:t>
                                     </m:r>
                                     <m:r>
                                       <a:rPr lang="en-US" sz="1200" kern="100">
                                         <a:effectLst/>
+                                        <a:latin typeface="Cambria Math" panose="02040503050406030204" pitchFamily="18" charset="0"/>
                                       </a:rPr>
                                       <m:t>=</m:t>
                                     </m:r>
                                     <m:r>
                                       <a:rPr lang="en-US" sz="1200" kern="100">
                                         <a:effectLst/>
+                                        <a:latin typeface="Cambria Math" panose="02040503050406030204" pitchFamily="18" charset="0"/>
                                       </a:rPr>
                                       <m:t>𝟏</m:t>
                                     </m:r>
@@ -12631,18 +12278,21 @@
                                     <m:r>
                                       <a:rPr lang="en-US" sz="1200" kern="100">
                                         <a:effectLst/>
+                                        <a:latin typeface="Cambria Math" panose="02040503050406030204" pitchFamily="18" charset="0"/>
                                       </a:rPr>
                                       <m:t>|</m:t>
                                     </m:r>
                                     <m:r>
                                       <a:rPr lang="en-US" sz="1200" kern="100">
                                         <a:effectLst/>
+                                        <a:latin typeface="Cambria Math" panose="02040503050406030204" pitchFamily="18" charset="0"/>
                                       </a:rPr>
                                       <m:t>𝑵</m:t>
                                     </m:r>
                                     <m:r>
                                       <a:rPr lang="en-US" sz="1200" kern="100">
                                         <a:effectLst/>
+                                        <a:latin typeface="Cambria Math" panose="02040503050406030204" pitchFamily="18" charset="0"/>
                                       </a:rPr>
                                       <m:t>|</m:t>
                                     </m:r>
@@ -12653,8 +12303,9 @@
                                         <m:chr m:val="∑"/>
                                         <m:limLoc m:val="subSup"/>
                                         <m:ctrlPr>
-                                          <a:rPr lang="ko-KR" sz="1200" kern="100">
+                                          <a:rPr lang="ko-KR" sz="1200" i="1" kern="100">
                                             <a:effectLst/>
+                                            <a:latin typeface="Cambria Math" panose="02040503050406030204" pitchFamily="18" charset="0"/>
                                           </a:rPr>
                                         </m:ctrlPr>
                                       </m:naryPr>
@@ -12662,18 +12313,21 @@
                                         <m:r>
                                           <a:rPr lang="en-US" sz="1200" kern="100">
                                             <a:effectLst/>
+                                            <a:latin typeface="Cambria Math" panose="02040503050406030204" pitchFamily="18" charset="0"/>
                                           </a:rPr>
                                           <m:t>𝒋</m:t>
                                         </m:r>
                                         <m:r>
                                           <a:rPr lang="en-US" sz="1200" kern="100">
                                             <a:effectLst/>
+                                            <a:latin typeface="Cambria Math" panose="02040503050406030204" pitchFamily="18" charset="0"/>
                                           </a:rPr>
                                           <m:t>=</m:t>
                                         </m:r>
                                         <m:r>
                                           <a:rPr lang="en-US" sz="1200" kern="100">
                                             <a:effectLst/>
+                                            <a:latin typeface="Cambria Math" panose="02040503050406030204" pitchFamily="18" charset="0"/>
                                           </a:rPr>
                                           <m:t>𝟏</m:t>
                                         </m:r>
@@ -12682,18 +12336,21 @@
                                         <m:r>
                                           <a:rPr lang="en-US" sz="1200" kern="100">
                                             <a:effectLst/>
+                                            <a:latin typeface="Cambria Math" panose="02040503050406030204" pitchFamily="18" charset="0"/>
                                           </a:rPr>
                                           <m:t>|</m:t>
                                         </m:r>
                                         <m:r>
                                           <a:rPr lang="en-US" sz="1200" kern="100">
                                             <a:effectLst/>
+                                            <a:latin typeface="Cambria Math" panose="02040503050406030204" pitchFamily="18" charset="0"/>
                                           </a:rPr>
                                           <m:t>𝑴</m:t>
                                         </m:r>
                                         <m:r>
                                           <a:rPr lang="en-US" sz="1200" kern="100">
                                             <a:effectLst/>
+                                            <a:latin typeface="Cambria Math" panose="02040503050406030204" pitchFamily="18" charset="0"/>
                                           </a:rPr>
                                           <m:t>|</m:t>
                                         </m:r>
@@ -12702,8 +12359,9 @@
                                         <m:sSub>
                                           <m:sSubPr>
                                             <m:ctrlPr>
-                                              <a:rPr lang="ko-KR" sz="1200" kern="100">
+                                              <a:rPr lang="ko-KR" sz="1200" i="1" kern="100">
                                                 <a:effectLst/>
+                                                <a:latin typeface="Cambria Math" panose="02040503050406030204" pitchFamily="18" charset="0"/>
                                               </a:rPr>
                                             </m:ctrlPr>
                                           </m:sSubPr>
@@ -12711,6 +12369,7 @@
                                             <m:r>
                                               <a:rPr lang="en-US" sz="1200" kern="100">
                                                 <a:effectLst/>
+                                                <a:latin typeface="Cambria Math" panose="02040503050406030204" pitchFamily="18" charset="0"/>
                                               </a:rPr>
                                               <m:t>𝑝</m:t>
                                             </m:r>
@@ -12719,18 +12378,21 @@
                                             <m:r>
                                               <a:rPr lang="en-US" sz="1200" kern="100">
                                                 <a:effectLst/>
+                                                <a:latin typeface="Cambria Math" panose="02040503050406030204" pitchFamily="18" charset="0"/>
                                               </a:rPr>
                                               <m:t>𝑖</m:t>
                                             </m:r>
                                             <m:r>
                                               <a:rPr lang="en-US" sz="1200" kern="100">
                                                 <a:effectLst/>
+                                                <a:latin typeface="Cambria Math" panose="02040503050406030204" pitchFamily="18" charset="0"/>
                                               </a:rPr>
                                               <m:t>,</m:t>
                                             </m:r>
                                             <m:r>
                                               <a:rPr lang="en-US" sz="1200" kern="100">
                                                 <a:effectLst/>
+                                                <a:latin typeface="Cambria Math" panose="02040503050406030204" pitchFamily="18" charset="0"/>
                                               </a:rPr>
                                               <m:t>𝑗</m:t>
                                             </m:r>
@@ -12739,32 +12401,37 @@
                                         <m:r>
                                           <a:rPr lang="en-US" sz="1200" kern="100">
                                             <a:effectLst/>
+                                            <a:latin typeface="Cambria Math" panose="02040503050406030204" pitchFamily="18" charset="0"/>
                                           </a:rPr>
                                           <m:t>∙</m:t>
                                         </m:r>
                                         <m:r>
                                           <a:rPr lang="en-US" sz="1200" kern="100">
                                             <a:effectLst/>
+                                            <a:latin typeface="Cambria Math" panose="02040503050406030204" pitchFamily="18" charset="0"/>
                                           </a:rPr>
                                           <m:t>𝒎𝒂𝒙</m:t>
                                         </m:r>
                                         <m:r>
                                           <a:rPr lang="en-US" sz="1200" kern="100">
                                             <a:effectLst/>
+                                            <a:latin typeface="Cambria Math" panose="02040503050406030204" pitchFamily="18" charset="0"/>
                                           </a:rPr>
                                           <m:t>{</m:t>
                                         </m:r>
                                         <m:r>
                                           <a:rPr lang="en-US" sz="1200" kern="100">
                                             <a:effectLst/>
+                                            <a:latin typeface="Cambria Math" panose="02040503050406030204" pitchFamily="18" charset="0"/>
                                           </a:rPr>
                                           <m:t>𝒖</m:t>
                                         </m:r>
                                         <m:d>
                                           <m:dPr>
                                             <m:ctrlPr>
-                                              <a:rPr lang="ko-KR" sz="1200" kern="100">
+                                              <a:rPr lang="ko-KR" sz="1200" i="1" kern="100">
                                                 <a:effectLst/>
+                                                <a:latin typeface="Cambria Math" panose="02040503050406030204" pitchFamily="18" charset="0"/>
                                               </a:rPr>
                                             </m:ctrlPr>
                                           </m:dPr>
@@ -12772,8 +12439,9 @@
                                             <m:sSubSup>
                                               <m:sSubSupPr>
                                                 <m:ctrlPr>
-                                                  <a:rPr lang="ko-KR" sz="1200" kern="100">
+                                                  <a:rPr lang="ko-KR" sz="1200" i="1" kern="100">
                                                     <a:effectLst/>
+                                                    <a:latin typeface="Cambria Math" panose="02040503050406030204" pitchFamily="18" charset="0"/>
                                                   </a:rPr>
                                                 </m:ctrlPr>
                                               </m:sSubSupPr>
@@ -12781,6 +12449,7 @@
                                                 <m:r>
                                                   <a:rPr lang="en-US" sz="1200" kern="100">
                                                     <a:effectLst/>
+                                                    <a:latin typeface="Cambria Math" panose="02040503050406030204" pitchFamily="18" charset="0"/>
                                                   </a:rPr>
                                                   <m:t>𝒓</m:t>
                                                 </m:r>
@@ -12789,6 +12458,7 @@
                                                 <m:r>
                                                   <a:rPr lang="en-US" sz="1200" kern="100">
                                                     <a:effectLst/>
+                                                    <a:latin typeface="Cambria Math" panose="02040503050406030204" pitchFamily="18" charset="0"/>
                                                   </a:rPr>
                                                   <m:t>𝒊</m:t>
                                                 </m:r>
@@ -12797,6 +12467,7 @@
                                                 <m:r>
                                                   <a:rPr lang="en-US" sz="1200" kern="100">
                                                     <a:effectLst/>
+                                                    <a:latin typeface="Cambria Math" panose="02040503050406030204" pitchFamily="18" charset="0"/>
                                                   </a:rPr>
                                                   <m:t>𝒓𝒆𝒒</m:t>
                                                 </m:r>
@@ -12807,20 +12478,23 @@
                                         <m:r>
                                           <a:rPr lang="en-US" sz="1200" kern="100">
                                             <a:effectLst/>
+                                            <a:latin typeface="Cambria Math" panose="02040503050406030204" pitchFamily="18" charset="0"/>
                                           </a:rPr>
                                           <m:t>−</m:t>
                                         </m:r>
                                         <m:r>
                                           <a:rPr lang="en-US" sz="1200" kern="100">
                                             <a:effectLst/>
+                                            <a:latin typeface="Cambria Math" panose="02040503050406030204" pitchFamily="18" charset="0"/>
                                           </a:rPr>
                                           <m:t>𝒖</m:t>
                                         </m:r>
                                         <m:d>
                                           <m:dPr>
                                             <m:ctrlPr>
-                                              <a:rPr lang="ko-KR" sz="1200" kern="100">
+                                              <a:rPr lang="ko-KR" sz="1200" i="1" kern="100">
                                                 <a:effectLst/>
+                                                <a:latin typeface="Cambria Math" panose="02040503050406030204" pitchFamily="18" charset="0"/>
                                               </a:rPr>
                                             </m:ctrlPr>
                                           </m:dPr>
@@ -12828,8 +12502,9 @@
                                             <m:sSubSup>
                                               <m:sSubSupPr>
                                                 <m:ctrlPr>
-                                                  <a:rPr lang="ko-KR" sz="1200" kern="100">
+                                                  <a:rPr lang="ko-KR" sz="1200" i="1" kern="100">
                                                     <a:effectLst/>
+                                                    <a:latin typeface="Cambria Math" panose="02040503050406030204" pitchFamily="18" charset="0"/>
                                                   </a:rPr>
                                                 </m:ctrlPr>
                                               </m:sSubSupPr>
@@ -12837,6 +12512,7 @@
                                                 <m:r>
                                                   <a:rPr lang="en-US" sz="1200" kern="100">
                                                     <a:effectLst/>
+                                                    <a:latin typeface="Cambria Math" panose="02040503050406030204" pitchFamily="18" charset="0"/>
                                                   </a:rPr>
                                                   <m:t>𝒓</m:t>
                                                 </m:r>
@@ -12845,18 +12521,21 @@
                                                 <m:r>
                                                   <a:rPr lang="en-US" sz="1200" kern="100">
                                                     <a:effectLst/>
+                                                    <a:latin typeface="Cambria Math" panose="02040503050406030204" pitchFamily="18" charset="0"/>
                                                   </a:rPr>
                                                   <m:t>𝒊</m:t>
                                                 </m:r>
                                                 <m:r>
                                                   <a:rPr lang="en-US" sz="1200" kern="100">
                                                     <a:effectLst/>
+                                                    <a:latin typeface="Cambria Math" panose="02040503050406030204" pitchFamily="18" charset="0"/>
                                                   </a:rPr>
                                                   <m:t>,</m:t>
                                                 </m:r>
                                                 <m:r>
                                                   <a:rPr lang="en-US" sz="1200" kern="100">
                                                     <a:effectLst/>
+                                                    <a:latin typeface="Cambria Math" panose="02040503050406030204" pitchFamily="18" charset="0"/>
                                                   </a:rPr>
                                                   <m:t>𝒋</m:t>
                                                 </m:r>
@@ -12865,6 +12544,7 @@
                                                 <m:r>
                                                   <a:rPr lang="en-US" sz="1200" kern="100">
                                                     <a:effectLst/>
+                                                    <a:latin typeface="Cambria Math" panose="02040503050406030204" pitchFamily="18" charset="0"/>
                                                   </a:rPr>
                                                   <m:t>𝒔𝒖𝒑</m:t>
                                                 </m:r>
@@ -12875,18 +12555,21 @@
                                         <m:r>
                                           <a:rPr lang="en-US" sz="1200" kern="100">
                                             <a:effectLst/>
+                                            <a:latin typeface="Cambria Math" panose="02040503050406030204" pitchFamily="18" charset="0"/>
                                           </a:rPr>
                                           <m:t>,</m:t>
                                         </m:r>
                                         <m:r>
                                           <a:rPr lang="en-US" sz="1200" kern="100">
                                             <a:effectLst/>
+                                            <a:latin typeface="Cambria Math" panose="02040503050406030204" pitchFamily="18" charset="0"/>
                                           </a:rPr>
                                           <m:t>𝟎</m:t>
                                         </m:r>
                                         <m:r>
                                           <a:rPr lang="en-US" sz="1200" kern="100">
                                             <a:effectLst/>
+                                            <a:latin typeface="Cambria Math" panose="02040503050406030204" pitchFamily="18" charset="0"/>
                                           </a:rPr>
                                           <m:t>}</m:t>
                                         </m:r>
@@ -12990,14 +12673,16 @@
                               <m:r>
                                 <a:rPr lang="en-US" sz="1200" kern="0">
                                   <a:effectLst/>
+                                  <a:latin typeface="Cambria Math" panose="02040503050406030204" pitchFamily="18" charset="0"/>
                                 </a:rPr>
                                 <m:t>𝑠</m:t>
                               </m:r>
                               <m:d>
                                 <m:dPr>
                                   <m:ctrlPr>
-                                    <a:rPr lang="ko-KR" sz="1200" kern="0">
+                                    <a:rPr lang="ko-KR" sz="1200" i="1" kern="0">
                                       <a:effectLst/>
+                                      <a:latin typeface="Cambria Math" panose="02040503050406030204" pitchFamily="18" charset="0"/>
                                     </a:rPr>
                                   </m:ctrlPr>
                                 </m:dPr>
@@ -13005,8 +12690,9 @@
                                   <m:sSubSup>
                                     <m:sSubSupPr>
                                       <m:ctrlPr>
-                                        <a:rPr lang="ko-KR" sz="1200" kern="0">
+                                        <a:rPr lang="ko-KR" sz="1200" i="1" kern="0">
                                           <a:effectLst/>
+                                          <a:latin typeface="Cambria Math" panose="02040503050406030204" pitchFamily="18" charset="0"/>
                                         </a:rPr>
                                       </m:ctrlPr>
                                     </m:sSubSupPr>
@@ -13015,8 +12701,9 @@
                                         <m:accPr>
                                           <m:chr m:val="⃗"/>
                                           <m:ctrlPr>
-                                            <a:rPr lang="ko-KR" sz="1200" kern="0">
+                                            <a:rPr lang="ko-KR" sz="1200" i="1" kern="0">
                                               <a:effectLst/>
+                                              <a:latin typeface="Cambria Math" panose="02040503050406030204" pitchFamily="18" charset="0"/>
                                             </a:rPr>
                                           </m:ctrlPr>
                                         </m:accPr>
@@ -13024,6 +12711,7 @@
                                           <m:r>
                                             <a:rPr lang="en-US" sz="1200" kern="0">
                                               <a:effectLst/>
+                                              <a:latin typeface="Cambria Math" panose="02040503050406030204" pitchFamily="18" charset="0"/>
                                             </a:rPr>
                                             <m:t>𝐼</m:t>
                                           </m:r>
@@ -13034,6 +12722,7 @@
                                       <m:r>
                                         <a:rPr lang="en-US" sz="1200" kern="0">
                                           <a:effectLst/>
+                                          <a:latin typeface="Cambria Math" panose="02040503050406030204" pitchFamily="18" charset="0"/>
                                         </a:rPr>
                                         <m:t>𝑖</m:t>
                                       </m:r>
@@ -13042,6 +12731,7 @@
                                       <m:r>
                                         <a:rPr lang="en-US" sz="1200" kern="0">
                                           <a:effectLst/>
+                                          <a:latin typeface="Cambria Math" panose="02040503050406030204" pitchFamily="18" charset="0"/>
                                         </a:rPr>
                                         <m:t>𝑝𝑙𝑎𝑦</m:t>
                                       </m:r>
@@ -13052,26 +12742,30 @@
                               <m:r>
                                 <a:rPr lang="en-US" sz="1200" kern="0">
                                   <a:effectLst/>
+                                  <a:latin typeface="Cambria Math" panose="02040503050406030204" pitchFamily="18" charset="0"/>
                                 </a:rPr>
                                 <m:t>+</m:t>
                               </m:r>
                               <m:r>
                                 <a:rPr lang="en-US" sz="1200" kern="0">
                                   <a:effectLst/>
+                                  <a:latin typeface="Cambria Math" panose="02040503050406030204" pitchFamily="18" charset="0"/>
                                 </a:rPr>
                                 <m:t>𝜃</m:t>
                               </m:r>
                               <m:r>
                                 <a:rPr lang="en-US" sz="1200" kern="0">
                                   <a:effectLst/>
+                                  <a:latin typeface="Cambria Math" panose="02040503050406030204" pitchFamily="18" charset="0"/>
                                 </a:rPr>
                                 <m:t>≤</m:t>
                               </m:r>
                               <m:sSub>
                                 <m:sSubPr>
                                   <m:ctrlPr>
-                                    <a:rPr lang="ko-KR" sz="1200" kern="0">
+                                    <a:rPr lang="ko-KR" sz="1200" i="1" kern="0">
                                       <a:effectLst/>
+                                      <a:latin typeface="Cambria Math" panose="02040503050406030204" pitchFamily="18" charset="0"/>
                                     </a:rPr>
                                   </m:ctrlPr>
                                 </m:sSubPr>
@@ -13079,6 +12773,7 @@
                                   <m:r>
                                     <a:rPr lang="en-US" sz="1200" kern="0">
                                       <a:effectLst/>
+                                      <a:latin typeface="Cambria Math" panose="02040503050406030204" pitchFamily="18" charset="0"/>
                                     </a:rPr>
                                     <m:t>𝑝</m:t>
                                   </m:r>
@@ -13087,18 +12782,21 @@
                                   <m:r>
                                     <a:rPr lang="en-US" sz="1200" kern="0">
                                       <a:effectLst/>
+                                      <a:latin typeface="Cambria Math" panose="02040503050406030204" pitchFamily="18" charset="0"/>
                                     </a:rPr>
                                     <m:t>𝑖</m:t>
                                   </m:r>
                                   <m:r>
                                     <a:rPr lang="en-US" sz="1200" kern="0">
                                       <a:effectLst/>
+                                      <a:latin typeface="Cambria Math" panose="02040503050406030204" pitchFamily="18" charset="0"/>
                                     </a:rPr>
                                     <m:t>,</m:t>
                                   </m:r>
                                   <m:r>
                                     <a:rPr lang="en-US" sz="1200" kern="0">
                                       <a:effectLst/>
+                                      <a:latin typeface="Cambria Math" panose="02040503050406030204" pitchFamily="18" charset="0"/>
                                     </a:rPr>
                                     <m:t>𝑗</m:t>
                                   </m:r>
@@ -13107,14 +12805,16 @@
                               <m:r>
                                 <a:rPr lang="en-US" sz="1200" kern="0">
                                   <a:effectLst/>
+                                  <a:latin typeface="Cambria Math" panose="02040503050406030204" pitchFamily="18" charset="0"/>
                                 </a:rPr>
                                 <m:t>∙</m:t>
                               </m:r>
                               <m:sSubSup>
                                 <m:sSubSupPr>
                                   <m:ctrlPr>
-                                    <a:rPr lang="ko-KR" sz="1200" kern="0">
+                                    <a:rPr lang="ko-KR" sz="1200" i="1" kern="0">
                                       <a:effectLst/>
+                                      <a:latin typeface="Cambria Math" panose="02040503050406030204" pitchFamily="18" charset="0"/>
                                     </a:rPr>
                                   </m:ctrlPr>
                                 </m:sSubSupPr>
@@ -13122,6 +12822,7 @@
                                   <m:r>
                                     <a:rPr lang="en-US" sz="1200" kern="0">
                                       <a:effectLst/>
+                                      <a:latin typeface="Cambria Math" panose="02040503050406030204" pitchFamily="18" charset="0"/>
                                     </a:rPr>
                                     <m:t>𝑟</m:t>
                                   </m:r>
@@ -13130,18 +12831,21 @@
                                   <m:r>
                                     <a:rPr lang="en-US" sz="1200" kern="0">
                                       <a:effectLst/>
+                                      <a:latin typeface="Cambria Math" panose="02040503050406030204" pitchFamily="18" charset="0"/>
                                     </a:rPr>
                                     <m:t>𝑖</m:t>
                                   </m:r>
                                   <m:r>
                                     <a:rPr lang="en-US" sz="1200" kern="0">
                                       <a:effectLst/>
+                                      <a:latin typeface="Cambria Math" panose="02040503050406030204" pitchFamily="18" charset="0"/>
                                     </a:rPr>
                                     <m:t>,</m:t>
                                   </m:r>
                                   <m:r>
                                     <a:rPr lang="en-US" sz="1200" kern="0">
                                       <a:effectLst/>
+                                      <a:latin typeface="Cambria Math" panose="02040503050406030204" pitchFamily="18" charset="0"/>
                                     </a:rPr>
                                     <m:t>𝑗</m:t>
                                   </m:r>
@@ -13150,6 +12854,7 @@
                                   <m:r>
                                     <a:rPr lang="en-US" sz="1200" kern="0">
                                       <a:effectLst/>
+                                      <a:latin typeface="Cambria Math" panose="02040503050406030204" pitchFamily="18" charset="0"/>
                                     </a:rPr>
                                     <m:t>𝑠𝑢𝑝</m:t>
                                   </m:r>
@@ -13158,14 +12863,16 @@
                               <m:r>
                                 <a:rPr lang="en-US" sz="1200" kern="0">
                                   <a:effectLst/>
+                                  <a:latin typeface="Cambria Math" panose="02040503050406030204" pitchFamily="18" charset="0"/>
                                 </a:rPr>
                                 <m:t>∙</m:t>
                               </m:r>
                               <m:sSubSup>
                                 <m:sSubSupPr>
                                   <m:ctrlPr>
-                                    <a:rPr lang="ko-KR" sz="1200" kern="0">
+                                    <a:rPr lang="ko-KR" sz="1200" i="1" kern="0">
                                       <a:effectLst/>
+                                      <a:latin typeface="Cambria Math" panose="02040503050406030204" pitchFamily="18" charset="0"/>
                                     </a:rPr>
                                   </m:ctrlPr>
                                 </m:sSubSupPr>
@@ -13173,6 +12880,7 @@
                                   <m:r>
                                     <a:rPr lang="en-US" sz="1200" kern="0">
                                       <a:effectLst/>
+                                      <a:latin typeface="Cambria Math" panose="02040503050406030204" pitchFamily="18" charset="0"/>
                                     </a:rPr>
                                     <m:t>𝑇</m:t>
                                   </m:r>
@@ -13181,6 +12889,7 @@
                                   <m:r>
                                     <a:rPr lang="en-US" sz="1200" kern="0">
                                       <a:effectLst/>
+                                      <a:latin typeface="Cambria Math" panose="02040503050406030204" pitchFamily="18" charset="0"/>
                                     </a:rPr>
                                     <m:t>𝑖</m:t>
                                   </m:r>
@@ -13189,6 +12898,7 @@
                                   <m:r>
                                     <a:rPr lang="en-US" sz="1200" kern="0">
                                       <a:effectLst/>
+                                      <a:latin typeface="Cambria Math" panose="02040503050406030204" pitchFamily="18" charset="0"/>
                                     </a:rPr>
                                     <m:t>𝑟𝑒𝑞</m:t>
                                   </m:r>
@@ -13197,20 +12907,23 @@
                               <m:r>
                                 <a:rPr lang="en-US" sz="1200" kern="0">
                                   <a:effectLst/>
+                                  <a:latin typeface="Cambria Math" panose="02040503050406030204" pitchFamily="18" charset="0"/>
                                 </a:rPr>
                                 <m:t>+</m:t>
                               </m:r>
                               <m:r>
                                 <a:rPr lang="en-US" sz="1200" kern="0">
                                   <a:effectLst/>
+                                  <a:latin typeface="Cambria Math" panose="02040503050406030204" pitchFamily="18" charset="0"/>
                                 </a:rPr>
                                 <m:t>𝑠</m:t>
                               </m:r>
                               <m:d>
                                 <m:dPr>
                                   <m:ctrlPr>
-                                    <a:rPr lang="ko-KR" sz="1200" kern="0">
+                                    <a:rPr lang="ko-KR" sz="1200" i="1" kern="0">
                                       <a:effectLst/>
+                                      <a:latin typeface="Cambria Math" panose="02040503050406030204" pitchFamily="18" charset="0"/>
                                     </a:rPr>
                                   </m:ctrlPr>
                                 </m:dPr>
@@ -13218,8 +12931,9 @@
                                   <m:sSubSup>
                                     <m:sSubSupPr>
                                       <m:ctrlPr>
-                                        <a:rPr lang="ko-KR" sz="1200" kern="0">
+                                        <a:rPr lang="ko-KR" sz="1200" i="1" kern="0">
                                           <a:effectLst/>
+                                          <a:latin typeface="Cambria Math" panose="02040503050406030204" pitchFamily="18" charset="0"/>
                                         </a:rPr>
                                       </m:ctrlPr>
                                     </m:sSubSupPr>
@@ -13228,8 +12942,9 @@
                                         <m:accPr>
                                           <m:chr m:val="⃗"/>
                                           <m:ctrlPr>
-                                            <a:rPr lang="ko-KR" sz="1200" kern="0">
+                                            <a:rPr lang="ko-KR" sz="1200" i="1" kern="0">
                                               <a:effectLst/>
+                                              <a:latin typeface="Cambria Math" panose="02040503050406030204" pitchFamily="18" charset="0"/>
                                             </a:rPr>
                                           </m:ctrlPr>
                                         </m:accPr>
@@ -13237,6 +12952,7 @@
                                           <m:r>
                                             <a:rPr lang="en-US" sz="1200" kern="0">
                                               <a:effectLst/>
+                                              <a:latin typeface="Cambria Math" panose="02040503050406030204" pitchFamily="18" charset="0"/>
                                             </a:rPr>
                                             <m:t>𝐼</m:t>
                                           </m:r>
@@ -13247,6 +12963,7 @@
                                       <m:r>
                                         <a:rPr lang="en-US" sz="1200" kern="0">
                                           <a:effectLst/>
+                                          <a:latin typeface="Cambria Math" panose="02040503050406030204" pitchFamily="18" charset="0"/>
                                         </a:rPr>
                                         <m:t>𝑖</m:t>
                                       </m:r>
@@ -13255,6 +12972,7 @@
                                       <m:r>
                                         <a:rPr lang="en-US" sz="1200" kern="0">
                                           <a:effectLst/>
+                                          <a:latin typeface="Cambria Math" panose="02040503050406030204" pitchFamily="18" charset="0"/>
                                         </a:rPr>
                                         <m:t>𝑏𝑢𝑓</m:t>
                                       </m:r>
@@ -13265,36 +12983,42 @@
                               <m:r>
                                 <a:rPr lang="en-US" sz="1200" kern="0">
                                   <a:effectLst/>
+                                  <a:latin typeface="Cambria Math" panose="02040503050406030204" pitchFamily="18" charset="0"/>
                                 </a:rPr>
                                 <m:t>  </m:t>
                               </m:r>
                               <m:r>
                                 <a:rPr lang="en-US" sz="1200" kern="0">
                                   <a:effectLst/>
+                                  <a:latin typeface="Cambria Math" panose="02040503050406030204" pitchFamily="18" charset="0"/>
                                 </a:rPr>
                                 <m:t>𝑓𝑜𝑟</m:t>
                               </m:r>
                               <m:r>
                                 <a:rPr lang="en-US" sz="1200" kern="0">
                                   <a:effectLst/>
+                                  <a:latin typeface="Cambria Math" panose="02040503050406030204" pitchFamily="18" charset="0"/>
                                 </a:rPr>
                                 <m:t> ∀ </m:t>
                               </m:r>
                               <m:r>
                                 <a:rPr lang="en-US" sz="1200" kern="0">
                                   <a:effectLst/>
+                                  <a:latin typeface="Cambria Math" panose="02040503050406030204" pitchFamily="18" charset="0"/>
                                 </a:rPr>
                                 <m:t>𝑗</m:t>
                               </m:r>
                               <m:r>
                                 <a:rPr lang="en-US" sz="1200" kern="0">
                                   <a:effectLst/>
+                                  <a:latin typeface="Cambria Math" panose="02040503050406030204" pitchFamily="18" charset="0"/>
                                 </a:rPr>
                                 <m:t>∈</m:t>
                               </m:r>
                               <m:r>
                                 <a:rPr lang="en-US" sz="1200" kern="0">
                                   <a:effectLst/>
+                                  <a:latin typeface="Cambria Math" panose="02040503050406030204" pitchFamily="18" charset="0"/>
                                 </a:rPr>
                                 <m:t>𝑀</m:t>
                               </m:r>
@@ -13405,8 +13129,9 @@
                               <m:sSubSup>
                                 <m:sSubSupPr>
                                   <m:ctrlPr>
-                                    <a:rPr lang="ko-KR" sz="1200" kern="0">
+                                    <a:rPr lang="ko-KR" sz="1200" i="1" kern="0">
                                       <a:effectLst/>
+                                      <a:latin typeface="Cambria Math" panose="02040503050406030204" pitchFamily="18" charset="0"/>
                                     </a:rPr>
                                   </m:ctrlPr>
                                 </m:sSubSupPr>
@@ -13414,6 +13139,7 @@
                                   <m:r>
                                     <a:rPr lang="en-US" sz="1200" kern="0">
                                       <a:effectLst/>
+                                      <a:latin typeface="Cambria Math" panose="02040503050406030204" pitchFamily="18" charset="0"/>
                                     </a:rPr>
                                     <m:t>𝑇</m:t>
                                   </m:r>
@@ -13422,6 +13148,7 @@
                                   <m:r>
                                     <a:rPr lang="en-US" sz="1200" kern="0">
                                       <a:effectLst/>
+                                      <a:latin typeface="Cambria Math" panose="02040503050406030204" pitchFamily="18" charset="0"/>
                                     </a:rPr>
                                     <m:t>𝑖</m:t>
                                   </m:r>
@@ -13430,6 +13157,7 @@
                                   <m:r>
                                     <a:rPr lang="en-US" sz="1200" kern="0">
                                       <a:effectLst/>
+                                      <a:latin typeface="Cambria Math" panose="02040503050406030204" pitchFamily="18" charset="0"/>
                                     </a:rPr>
                                     <m:t>𝑟𝑒𝑞</m:t>
                                   </m:r>
@@ -13438,14 +13166,16 @@
                               <m:r>
                                 <a:rPr lang="en-US" sz="1200" kern="0">
                                   <a:effectLst/>
+                                  <a:latin typeface="Cambria Math" panose="02040503050406030204" pitchFamily="18" charset="0"/>
                                 </a:rPr>
                                 <m:t>∙</m:t>
                               </m:r>
                               <m:sSubSup>
                                 <m:sSubSupPr>
                                   <m:ctrlPr>
-                                    <a:rPr lang="ko-KR" sz="1200" kern="0">
+                                    <a:rPr lang="ko-KR" sz="1200" i="1" kern="0">
                                       <a:effectLst/>
+                                      <a:latin typeface="Cambria Math" panose="02040503050406030204" pitchFamily="18" charset="0"/>
                                     </a:rPr>
                                   </m:ctrlPr>
                                 </m:sSubSupPr>
@@ -13453,6 +13183,7 @@
                                   <m:r>
                                     <a:rPr lang="en-US" sz="1200" kern="0">
                                       <a:effectLst/>
+                                      <a:latin typeface="Cambria Math" panose="02040503050406030204" pitchFamily="18" charset="0"/>
                                     </a:rPr>
                                     <m:t>𝑟</m:t>
                                   </m:r>
@@ -13461,18 +13192,21 @@
                                   <m:r>
                                     <a:rPr lang="en-US" sz="1200" kern="0">
                                       <a:effectLst/>
+                                      <a:latin typeface="Cambria Math" panose="02040503050406030204" pitchFamily="18" charset="0"/>
                                     </a:rPr>
                                     <m:t>𝑖</m:t>
                                   </m:r>
                                   <m:r>
                                     <a:rPr lang="en-US" sz="1200" kern="0">
                                       <a:effectLst/>
+                                      <a:latin typeface="Cambria Math" panose="02040503050406030204" pitchFamily="18" charset="0"/>
                                     </a:rPr>
                                     <m:t>,</m:t>
                                   </m:r>
                                   <m:r>
                                     <a:rPr lang="en-US" sz="1200" kern="0">
                                       <a:effectLst/>
+                                      <a:latin typeface="Cambria Math" panose="02040503050406030204" pitchFamily="18" charset="0"/>
                                     </a:rPr>
                                     <m:t>𝑗</m:t>
                                   </m:r>
@@ -13481,6 +13215,7 @@
                                   <m:r>
                                     <a:rPr lang="en-US" sz="1200" kern="0">
                                       <a:effectLst/>
+                                      <a:latin typeface="Cambria Math" panose="02040503050406030204" pitchFamily="18" charset="0"/>
                                     </a:rPr>
                                     <m:t>𝑠𝑢𝑝</m:t>
                                   </m:r>
@@ -13489,14 +13224,16 @@
                               <m:r>
                                 <a:rPr lang="en-US" sz="1200" kern="0">
                                   <a:effectLst/>
+                                  <a:latin typeface="Cambria Math" panose="02040503050406030204" pitchFamily="18" charset="0"/>
                                 </a:rPr>
                                 <m:t>≤</m:t>
                               </m:r>
                               <m:sSubSup>
                                 <m:sSubSupPr>
                                   <m:ctrlPr>
-                                    <a:rPr lang="ko-KR" sz="1200" kern="0">
+                                    <a:rPr lang="ko-KR" sz="1200" i="1" kern="0">
                                       <a:effectLst/>
+                                      <a:latin typeface="Cambria Math" panose="02040503050406030204" pitchFamily="18" charset="0"/>
                                     </a:rPr>
                                   </m:ctrlPr>
                                 </m:sSubSupPr>
@@ -13504,6 +13241,7 @@
                                   <m:r>
                                     <a:rPr lang="en-US" sz="1200" kern="0">
                                       <a:effectLst/>
+                                      <a:latin typeface="Cambria Math" panose="02040503050406030204" pitchFamily="18" charset="0"/>
                                     </a:rPr>
                                     <m:t>𝑡</m:t>
                                   </m:r>
@@ -13512,18 +13250,21 @@
                                   <m:r>
                                     <a:rPr lang="en-US" sz="1200" kern="0">
                                       <a:effectLst/>
+                                      <a:latin typeface="Cambria Math" panose="02040503050406030204" pitchFamily="18" charset="0"/>
                                     </a:rPr>
                                     <m:t>𝑖</m:t>
                                   </m:r>
                                   <m:r>
                                     <a:rPr lang="en-US" sz="1200" kern="0">
                                       <a:effectLst/>
+                                      <a:latin typeface="Cambria Math" panose="02040503050406030204" pitchFamily="18" charset="0"/>
                                     </a:rPr>
                                     <m:t>,</m:t>
                                   </m:r>
                                   <m:r>
                                     <a:rPr lang="en-US" sz="1200" kern="0">
                                       <a:effectLst/>
+                                      <a:latin typeface="Cambria Math" panose="02040503050406030204" pitchFamily="18" charset="0"/>
                                     </a:rPr>
                                     <m:t>𝑗</m:t>
                                   </m:r>
@@ -13532,6 +13273,7 @@
                                   <m:r>
                                     <a:rPr lang="en-US" sz="1200" kern="0">
                                       <a:effectLst/>
+                                      <a:latin typeface="Cambria Math" panose="02040503050406030204" pitchFamily="18" charset="0"/>
                                     </a:rPr>
                                     <m:t>𝑠𝑙𝑜𝑡</m:t>
                                   </m:r>
@@ -13540,20 +13282,23 @@
                               <m:r>
                                 <a:rPr lang="en-US" sz="1200" kern="0">
                                   <a:effectLst/>
+                                  <a:latin typeface="Cambria Math" panose="02040503050406030204" pitchFamily="18" charset="0"/>
                                 </a:rPr>
                                 <m:t>∙</m:t>
                               </m:r>
                               <m:r>
                                 <a:rPr lang="en-US" sz="1200" kern="0">
                                   <a:effectLst/>
+                                  <a:latin typeface="Cambria Math" panose="02040503050406030204" pitchFamily="18" charset="0"/>
                                 </a:rPr>
                                 <m:t>𝑏𝑤</m:t>
                               </m:r>
                               <m:d>
                                 <m:dPr>
                                   <m:ctrlPr>
-                                    <a:rPr lang="ko-KR" sz="1200" kern="0">
+                                    <a:rPr lang="ko-KR" sz="1200" i="1" kern="0">
                                       <a:effectLst/>
+                                      <a:latin typeface="Cambria Math" panose="02040503050406030204" pitchFamily="18" charset="0"/>
                                     </a:rPr>
                                   </m:ctrlPr>
                                 </m:dPr>
@@ -13561,8 +13306,9 @@
                                   <m:sSub>
                                     <m:sSubPr>
                                       <m:ctrlPr>
-                                        <a:rPr lang="ko-KR" sz="1200" kern="0">
+                                        <a:rPr lang="ko-KR" sz="1200" i="1" kern="0">
                                           <a:effectLst/>
+                                          <a:latin typeface="Cambria Math" panose="02040503050406030204" pitchFamily="18" charset="0"/>
                                         </a:rPr>
                                       </m:ctrlPr>
                                     </m:sSubPr>
@@ -13570,6 +13316,7 @@
                                       <m:r>
                                         <a:rPr lang="en-US" sz="1200" kern="0">
                                           <a:effectLst/>
+                                          <a:latin typeface="Cambria Math" panose="02040503050406030204" pitchFamily="18" charset="0"/>
                                         </a:rPr>
                                         <m:t>𝑅𝑇𝑇</m:t>
                                       </m:r>
@@ -13578,18 +13325,21 @@
                                       <m:r>
                                         <a:rPr lang="en-US" sz="1200" kern="0">
                                           <a:effectLst/>
+                                          <a:latin typeface="Cambria Math" panose="02040503050406030204" pitchFamily="18" charset="0"/>
                                         </a:rPr>
                                         <m:t>𝑖</m:t>
                                       </m:r>
                                       <m:r>
                                         <a:rPr lang="en-US" sz="1200" kern="0">
                                           <a:effectLst/>
+                                          <a:latin typeface="Cambria Math" panose="02040503050406030204" pitchFamily="18" charset="0"/>
                                         </a:rPr>
                                         <m:t>,</m:t>
                                       </m:r>
                                       <m:r>
                                         <a:rPr lang="en-US" sz="1200" kern="0">
                                           <a:effectLst/>
+                                          <a:latin typeface="Cambria Math" panose="02040503050406030204" pitchFamily="18" charset="0"/>
                                         </a:rPr>
                                         <m:t>𝑗</m:t>
                                       </m:r>
@@ -13598,14 +13348,16 @@
                                   <m:r>
                                     <a:rPr lang="en-US" sz="1200" kern="0">
                                       <a:effectLst/>
+                                      <a:latin typeface="Cambria Math" panose="02040503050406030204" pitchFamily="18" charset="0"/>
                                     </a:rPr>
                                     <m:t>,</m:t>
                                   </m:r>
                                   <m:sSub>
                                     <m:sSubPr>
                                       <m:ctrlPr>
-                                        <a:rPr lang="ko-KR" sz="1200" kern="0">
+                                        <a:rPr lang="ko-KR" sz="1200" i="1" kern="0">
                                           <a:effectLst/>
+                                          <a:latin typeface="Cambria Math" panose="02040503050406030204" pitchFamily="18" charset="0"/>
                                         </a:rPr>
                                       </m:ctrlPr>
                                     </m:sSubPr>
@@ -13613,6 +13365,7 @@
                                       <m:r>
                                         <a:rPr lang="en-US" sz="1200" kern="0">
                                           <a:effectLst/>
+                                          <a:latin typeface="Cambria Math" panose="02040503050406030204" pitchFamily="18" charset="0"/>
                                         </a:rPr>
                                         <m:t>𝑃𝐿𝑅</m:t>
                                       </m:r>
@@ -13621,18 +13374,21 @@
                                       <m:r>
                                         <a:rPr lang="en-US" sz="1200" kern="0">
                                           <a:effectLst/>
+                                          <a:latin typeface="Cambria Math" panose="02040503050406030204" pitchFamily="18" charset="0"/>
                                         </a:rPr>
                                         <m:t>𝑖</m:t>
                                       </m:r>
                                       <m:r>
                                         <a:rPr lang="en-US" sz="1200" kern="0">
                                           <a:effectLst/>
+                                          <a:latin typeface="Cambria Math" panose="02040503050406030204" pitchFamily="18" charset="0"/>
                                         </a:rPr>
                                         <m:t>,</m:t>
                                       </m:r>
                                       <m:r>
                                         <a:rPr lang="en-US" sz="1200" kern="0">
                                           <a:effectLst/>
+                                          <a:latin typeface="Cambria Math" panose="02040503050406030204" pitchFamily="18" charset="0"/>
                                         </a:rPr>
                                         <m:t>𝑗</m:t>
                                       </m:r>
@@ -13643,36 +13399,42 @@
                               <m:r>
                                 <a:rPr lang="en-US" sz="1200" kern="0">
                                   <a:effectLst/>
+                                  <a:latin typeface="Cambria Math" panose="02040503050406030204" pitchFamily="18" charset="0"/>
                                 </a:rPr>
                                 <m:t> </m:t>
                               </m:r>
                               <m:r>
                                 <a:rPr lang="en-US" sz="1200" kern="0">
                                   <a:effectLst/>
+                                  <a:latin typeface="Cambria Math" panose="02040503050406030204" pitchFamily="18" charset="0"/>
                                 </a:rPr>
                                 <m:t>𝑓𝑜𝑟</m:t>
                               </m:r>
                               <m:r>
                                 <a:rPr lang="en-US" sz="1200" kern="0">
                                   <a:effectLst/>
+                                  <a:latin typeface="Cambria Math" panose="02040503050406030204" pitchFamily="18" charset="0"/>
                                 </a:rPr>
                                 <m:t> ∀ </m:t>
                               </m:r>
                               <m:r>
                                 <a:rPr lang="en-US" sz="1200" kern="0">
                                   <a:effectLst/>
+                                  <a:latin typeface="Cambria Math" panose="02040503050406030204" pitchFamily="18" charset="0"/>
                                 </a:rPr>
                                 <m:t>𝑖</m:t>
                               </m:r>
                               <m:r>
                                 <a:rPr lang="en-US" sz="1200" kern="0">
                                   <a:effectLst/>
+                                  <a:latin typeface="Cambria Math" panose="02040503050406030204" pitchFamily="18" charset="0"/>
                                 </a:rPr>
                                 <m:t>∈</m:t>
                               </m:r>
                               <m:r>
                                 <a:rPr lang="en-US" sz="1200" kern="0">
                                   <a:effectLst/>
+                                  <a:latin typeface="Cambria Math" panose="02040503050406030204" pitchFamily="18" charset="0"/>
                                 </a:rPr>
                                 <m:t>𝑁</m:t>
                               </m:r>
@@ -13784,8 +13546,9 @@
                                 <m:naryPr>
                                   <m:chr m:val="∑"/>
                                   <m:ctrlPr>
-                                    <a:rPr lang="ko-KR" sz="1200" kern="0">
+                                    <a:rPr lang="ko-KR" sz="1200" i="1" kern="0">
                                       <a:effectLst/>
+                                      <a:latin typeface="Cambria Math" panose="02040503050406030204" pitchFamily="18" charset="0"/>
                                     </a:rPr>
                                   </m:ctrlPr>
                                 </m:naryPr>
@@ -13793,12 +13556,14 @@
                                   <m:r>
                                     <a:rPr lang="en-US" sz="1200" kern="0">
                                       <a:effectLst/>
+                                      <a:latin typeface="Cambria Math" panose="02040503050406030204" pitchFamily="18" charset="0"/>
                                     </a:rPr>
                                     <m:t>𝑖</m:t>
                                   </m:r>
                                   <m:r>
                                     <a:rPr lang="en-US" sz="1200" kern="0">
                                       <a:effectLst/>
+                                      <a:latin typeface="Cambria Math" panose="02040503050406030204" pitchFamily="18" charset="0"/>
                                     </a:rPr>
                                     <m:t>=1</m:t>
                                   </m:r>
@@ -13807,18 +13572,21 @@
                                   <m:r>
                                     <a:rPr lang="en-US" sz="1200" kern="0">
                                       <a:effectLst/>
+                                      <a:latin typeface="Cambria Math" panose="02040503050406030204" pitchFamily="18" charset="0"/>
                                     </a:rPr>
                                     <m:t>|</m:t>
                                   </m:r>
                                   <m:r>
                                     <a:rPr lang="en-US" sz="1200" kern="0">
                                       <a:effectLst/>
+                                      <a:latin typeface="Cambria Math" panose="02040503050406030204" pitchFamily="18" charset="0"/>
                                     </a:rPr>
                                     <m:t>𝑁</m:t>
                                   </m:r>
                                   <m:r>
                                     <a:rPr lang="en-US" sz="1200" kern="0">
                                       <a:effectLst/>
+                                      <a:latin typeface="Cambria Math" panose="02040503050406030204" pitchFamily="18" charset="0"/>
                                     </a:rPr>
                                     <m:t>|</m:t>
                                   </m:r>
@@ -13827,8 +13595,9 @@
                                   <m:f>
                                     <m:fPr>
                                       <m:ctrlPr>
-                                        <a:rPr lang="ko-KR" sz="1200" kern="0">
+                                        <a:rPr lang="ko-KR" sz="1200" i="1" kern="0">
                                           <a:effectLst/>
+                                          <a:latin typeface="Cambria Math" panose="02040503050406030204" pitchFamily="18" charset="0"/>
                                         </a:rPr>
                                       </m:ctrlPr>
                                     </m:fPr>
@@ -13836,8 +13605,9 @@
                                       <m:sSub>
                                         <m:sSubPr>
                                           <m:ctrlPr>
-                                            <a:rPr lang="ko-KR" sz="1200" kern="0">
+                                            <a:rPr lang="ko-KR" sz="1200" i="1" kern="0">
                                               <a:effectLst/>
+                                              <a:latin typeface="Cambria Math" panose="02040503050406030204" pitchFamily="18" charset="0"/>
                                             </a:rPr>
                                           </m:ctrlPr>
                                         </m:sSubPr>
@@ -13845,6 +13615,7 @@
                                           <m:r>
                                             <a:rPr lang="en-US" sz="1200" kern="0">
                                               <a:effectLst/>
+                                              <a:latin typeface="Cambria Math" panose="02040503050406030204" pitchFamily="18" charset="0"/>
                                             </a:rPr>
                                             <m:t>𝑝</m:t>
                                           </m:r>
@@ -13853,18 +13624,21 @@
                                           <m:r>
                                             <a:rPr lang="en-US" sz="1200" kern="0">
                                               <a:effectLst/>
+                                              <a:latin typeface="Cambria Math" panose="02040503050406030204" pitchFamily="18" charset="0"/>
                                             </a:rPr>
                                             <m:t>𝑖</m:t>
                                           </m:r>
                                           <m:r>
                                             <a:rPr lang="en-US" sz="1200" kern="0">
                                               <a:effectLst/>
+                                              <a:latin typeface="Cambria Math" panose="02040503050406030204" pitchFamily="18" charset="0"/>
                                             </a:rPr>
                                             <m:t>,</m:t>
                                           </m:r>
                                           <m:r>
                                             <a:rPr lang="en-US" sz="1200" kern="0">
                                               <a:effectLst/>
+                                              <a:latin typeface="Cambria Math" panose="02040503050406030204" pitchFamily="18" charset="0"/>
                                             </a:rPr>
                                             <m:t>𝑗</m:t>
                                           </m:r>
@@ -13873,14 +13647,16 @@
                                       <m:r>
                                         <a:rPr lang="en-US" sz="1200" kern="0">
                                           <a:effectLst/>
+                                          <a:latin typeface="Cambria Math" panose="02040503050406030204" pitchFamily="18" charset="0"/>
                                         </a:rPr>
                                         <m:t>∙</m:t>
                                       </m:r>
                                       <m:sSubSup>
                                         <m:sSubSupPr>
                                           <m:ctrlPr>
-                                            <a:rPr lang="ko-KR" sz="1200" kern="0">
+                                            <a:rPr lang="ko-KR" sz="1200" i="1" kern="0">
                                               <a:effectLst/>
+                                              <a:latin typeface="Cambria Math" panose="02040503050406030204" pitchFamily="18" charset="0"/>
                                             </a:rPr>
                                           </m:ctrlPr>
                                         </m:sSubSupPr>
@@ -13888,6 +13664,7 @@
                                           <m:r>
                                             <a:rPr lang="en-US" sz="1200" kern="0">
                                               <a:effectLst/>
+                                              <a:latin typeface="Cambria Math" panose="02040503050406030204" pitchFamily="18" charset="0"/>
                                             </a:rPr>
                                             <m:t>𝑟</m:t>
                                           </m:r>
@@ -13896,18 +13673,21 @@
                                           <m:r>
                                             <a:rPr lang="en-US" sz="1200" kern="0">
                                               <a:effectLst/>
+                                              <a:latin typeface="Cambria Math" panose="02040503050406030204" pitchFamily="18" charset="0"/>
                                             </a:rPr>
                                             <m:t>𝑖</m:t>
                                           </m:r>
                                           <m:r>
                                             <a:rPr lang="en-US" sz="1200" kern="0">
                                               <a:effectLst/>
+                                              <a:latin typeface="Cambria Math" panose="02040503050406030204" pitchFamily="18" charset="0"/>
                                             </a:rPr>
                                             <m:t>,</m:t>
                                           </m:r>
                                           <m:r>
                                             <a:rPr lang="en-US" sz="1200" kern="0">
                                               <a:effectLst/>
+                                              <a:latin typeface="Cambria Math" panose="02040503050406030204" pitchFamily="18" charset="0"/>
                                             </a:rPr>
                                             <m:t>𝑗</m:t>
                                           </m:r>
@@ -13916,6 +13696,7 @@
                                           <m:r>
                                             <a:rPr lang="en-US" sz="1200" kern="0">
                                               <a:effectLst/>
+                                              <a:latin typeface="Cambria Math" panose="02040503050406030204" pitchFamily="18" charset="0"/>
                                             </a:rPr>
                                             <m:t>𝑠𝑢𝑝</m:t>
                                           </m:r>
@@ -13924,14 +13705,16 @@
                                       <m:r>
                                         <a:rPr lang="en-US" sz="1200" kern="0">
                                           <a:effectLst/>
+                                          <a:latin typeface="Cambria Math" panose="02040503050406030204" pitchFamily="18" charset="0"/>
                                         </a:rPr>
                                         <m:t>∙</m:t>
                                       </m:r>
                                       <m:sSubSup>
                                         <m:sSubSupPr>
                                           <m:ctrlPr>
-                                            <a:rPr lang="ko-KR" sz="1200" kern="0">
+                                            <a:rPr lang="ko-KR" sz="1200" i="1" kern="0">
                                               <a:effectLst/>
+                                              <a:latin typeface="Cambria Math" panose="02040503050406030204" pitchFamily="18" charset="0"/>
                                             </a:rPr>
                                           </m:ctrlPr>
                                         </m:sSubSupPr>
@@ -13939,6 +13722,7 @@
                                           <m:r>
                                             <a:rPr lang="en-US" sz="1200" kern="0">
                                               <a:effectLst/>
+                                              <a:latin typeface="Cambria Math" panose="02040503050406030204" pitchFamily="18" charset="0"/>
                                             </a:rPr>
                                             <m:t>𝑇</m:t>
                                           </m:r>
@@ -13947,6 +13731,7 @@
                                           <m:r>
                                             <a:rPr lang="en-US" sz="1200" kern="0">
                                               <a:effectLst/>
+                                              <a:latin typeface="Cambria Math" panose="02040503050406030204" pitchFamily="18" charset="0"/>
                                             </a:rPr>
                                             <m:t>𝑖</m:t>
                                           </m:r>
@@ -13955,6 +13740,7 @@
                                           <m:r>
                                             <a:rPr lang="en-US" sz="1200" kern="0">
                                               <a:effectLst/>
+                                              <a:latin typeface="Cambria Math" panose="02040503050406030204" pitchFamily="18" charset="0"/>
                                             </a:rPr>
                                             <m:t>𝑟𝑒𝑞</m:t>
                                           </m:r>
@@ -13965,14 +13751,16 @@
                                       <m:r>
                                         <a:rPr lang="en-US" sz="1200" kern="0">
                                           <a:effectLst/>
+                                          <a:latin typeface="Cambria Math" panose="02040503050406030204" pitchFamily="18" charset="0"/>
                                         </a:rPr>
                                         <m:t>𝑏𝑤</m:t>
                                       </m:r>
                                       <m:d>
                                         <m:dPr>
                                           <m:ctrlPr>
-                                            <a:rPr lang="ko-KR" sz="1200" kern="0">
+                                            <a:rPr lang="ko-KR" sz="1200" i="1" kern="0">
                                               <a:effectLst/>
+                                              <a:latin typeface="Cambria Math" panose="02040503050406030204" pitchFamily="18" charset="0"/>
                                             </a:rPr>
                                           </m:ctrlPr>
                                         </m:dPr>
@@ -13980,8 +13768,9 @@
                                           <m:sSub>
                                             <m:sSubPr>
                                               <m:ctrlPr>
-                                                <a:rPr lang="ko-KR" sz="1200" kern="0">
+                                                <a:rPr lang="ko-KR" sz="1200" i="1" kern="0">
                                                   <a:effectLst/>
+                                                  <a:latin typeface="Cambria Math" panose="02040503050406030204" pitchFamily="18" charset="0"/>
                                                 </a:rPr>
                                               </m:ctrlPr>
                                             </m:sSubPr>
@@ -13989,6 +13778,7 @@
                                               <m:r>
                                                 <a:rPr lang="en-US" sz="1200" kern="0">
                                                   <a:effectLst/>
+                                                  <a:latin typeface="Cambria Math" panose="02040503050406030204" pitchFamily="18" charset="0"/>
                                                 </a:rPr>
                                                 <m:t>𝑅𝑆𝑆𝐼</m:t>
                                               </m:r>
@@ -13997,18 +13787,21 @@
                                               <m:r>
                                                 <a:rPr lang="en-US" sz="1200" kern="0">
                                                   <a:effectLst/>
+                                                  <a:latin typeface="Cambria Math" panose="02040503050406030204" pitchFamily="18" charset="0"/>
                                                 </a:rPr>
                                                 <m:t>𝑖</m:t>
                                               </m:r>
                                               <m:r>
                                                 <a:rPr lang="en-US" sz="1200" kern="0">
                                                   <a:effectLst/>
+                                                  <a:latin typeface="Cambria Math" panose="02040503050406030204" pitchFamily="18" charset="0"/>
                                                 </a:rPr>
                                                 <m:t>,</m:t>
                                               </m:r>
                                               <m:r>
                                                 <a:rPr lang="en-US" sz="1200" kern="0">
                                                   <a:effectLst/>
+                                                  <a:latin typeface="Cambria Math" panose="02040503050406030204" pitchFamily="18" charset="0"/>
                                                 </a:rPr>
                                                 <m:t>𝑗</m:t>
                                               </m:r>
@@ -14017,14 +13810,16 @@
                                           <m:r>
                                             <a:rPr lang="en-US" sz="1200" kern="0">
                                               <a:effectLst/>
+                                              <a:latin typeface="Cambria Math" panose="02040503050406030204" pitchFamily="18" charset="0"/>
                                             </a:rPr>
                                             <m:t>,</m:t>
                                           </m:r>
                                           <m:sSub>
                                             <m:sSubPr>
                                               <m:ctrlPr>
-                                                <a:rPr lang="ko-KR" sz="1200" kern="0">
+                                                <a:rPr lang="ko-KR" sz="1200" i="1" kern="0">
                                                   <a:effectLst/>
+                                                  <a:latin typeface="Cambria Math" panose="02040503050406030204" pitchFamily="18" charset="0"/>
                                                 </a:rPr>
                                               </m:ctrlPr>
                                             </m:sSubPr>
@@ -14032,6 +13827,7 @@
                                               <m:r>
                                                 <a:rPr lang="en-US" sz="1200" kern="0">
                                                   <a:effectLst/>
+                                                  <a:latin typeface="Cambria Math" panose="02040503050406030204" pitchFamily="18" charset="0"/>
                                                 </a:rPr>
                                                 <m:t>𝑃𝐿𝑅</m:t>
                                               </m:r>
@@ -14040,18 +13836,21 @@
                                               <m:r>
                                                 <a:rPr lang="en-US" sz="1200" kern="0">
                                                   <a:effectLst/>
+                                                  <a:latin typeface="Cambria Math" panose="02040503050406030204" pitchFamily="18" charset="0"/>
                                                 </a:rPr>
                                                 <m:t>𝑖</m:t>
                                               </m:r>
                                               <m:r>
                                                 <a:rPr lang="en-US" sz="1200" kern="0">
                                                   <a:effectLst/>
+                                                  <a:latin typeface="Cambria Math" panose="02040503050406030204" pitchFamily="18" charset="0"/>
                                                 </a:rPr>
                                                 <m:t>,</m:t>
                                               </m:r>
                                               <m:r>
                                                 <a:rPr lang="en-US" sz="1200" kern="0">
                                                   <a:effectLst/>
+                                                  <a:latin typeface="Cambria Math" panose="02040503050406030204" pitchFamily="18" charset="0"/>
                                                 </a:rPr>
                                                 <m:t>𝑗</m:t>
                                               </m:r>
@@ -14064,14 +13863,16 @@
                                   <m:r>
                                     <a:rPr lang="en-US" sz="1200" kern="0">
                                       <a:effectLst/>
+                                      <a:latin typeface="Cambria Math" panose="02040503050406030204" pitchFamily="18" charset="0"/>
                                     </a:rPr>
                                     <m:t>≤</m:t>
                                   </m:r>
                                   <m:sSub>
                                     <m:sSubPr>
                                       <m:ctrlPr>
-                                        <a:rPr lang="ko-KR" sz="1200" kern="0">
+                                        <a:rPr lang="ko-KR" sz="1200" i="1" kern="0">
                                           <a:effectLst/>
+                                          <a:latin typeface="Cambria Math" panose="02040503050406030204" pitchFamily="18" charset="0"/>
                                         </a:rPr>
                                       </m:ctrlPr>
                                     </m:sSubPr>
@@ -14079,6 +13880,7 @@
                                       <m:r>
                                         <a:rPr lang="en-US" sz="1200" kern="0">
                                           <a:effectLst/>
+                                          <a:latin typeface="Cambria Math" panose="02040503050406030204" pitchFamily="18" charset="0"/>
                                         </a:rPr>
                                         <m:t>𝑇</m:t>
                                       </m:r>
@@ -14087,6 +13889,7 @@
                                       <m:r>
                                         <a:rPr lang="en-US" sz="1200" kern="0">
                                           <a:effectLst/>
+                                          <a:latin typeface="Cambria Math" panose="02040503050406030204" pitchFamily="18" charset="0"/>
                                         </a:rPr>
                                         <m:t>𝑠𝑙𝑜𝑡</m:t>
                                       </m:r>
@@ -14097,36 +13900,42 @@
                               <m:r>
                                 <a:rPr lang="en-US" sz="1200" kern="0">
                                   <a:effectLst/>
+                                  <a:latin typeface="Cambria Math" panose="02040503050406030204" pitchFamily="18" charset="0"/>
                                 </a:rPr>
                                 <m:t> </m:t>
                               </m:r>
                               <m:r>
                                 <a:rPr lang="en-US" sz="1200" kern="0">
                                   <a:effectLst/>
+                                  <a:latin typeface="Cambria Math" panose="02040503050406030204" pitchFamily="18" charset="0"/>
                                 </a:rPr>
                                 <m:t>𝑓𝑜𝑟</m:t>
                               </m:r>
                               <m:r>
                                 <a:rPr lang="en-US" sz="1200" kern="0">
                                   <a:effectLst/>
+                                  <a:latin typeface="Cambria Math" panose="02040503050406030204" pitchFamily="18" charset="0"/>
                                 </a:rPr>
                                 <m:t> ∀ </m:t>
                               </m:r>
                               <m:r>
                                 <a:rPr lang="en-US" sz="1200" kern="0">
                                   <a:effectLst/>
+                                  <a:latin typeface="Cambria Math" panose="02040503050406030204" pitchFamily="18" charset="0"/>
                                 </a:rPr>
                                 <m:t>𝑗</m:t>
                               </m:r>
                               <m:r>
                                 <a:rPr lang="en-US" sz="1200" kern="0">
                                   <a:effectLst/>
+                                  <a:latin typeface="Cambria Math" panose="02040503050406030204" pitchFamily="18" charset="0"/>
                                 </a:rPr>
                                 <m:t>∈</m:t>
                               </m:r>
                               <m:r>
                                 <a:rPr lang="en-US" sz="1200" kern="0">
                                   <a:effectLst/>
+                                  <a:latin typeface="Cambria Math" panose="02040503050406030204" pitchFamily="18" charset="0"/>
                                 </a:rPr>
                                 <m:t>𝑀</m:t>
                               </m:r>
@@ -14182,7 +13991,7 @@
             </a:graphic>
           </p:graphicFrame>
         </mc:Choice>
-        <mc:Fallback>
+        <mc:Fallback xmlns="">
           <p:graphicFrame>
             <p:nvGraphicFramePr>
               <p:cNvPr id="5" name="표 4"/>
@@ -14932,7 +14741,7 @@
 </p:sld>
 </file>
 
-<file path=ppt/slides/slide5.xml><?xml version="1.0" encoding="utf-8"?>
+<file path=ppt/slides/slide4.xml><?xml version="1.0" encoding="utf-8"?>
 <p:sld xmlns:a="http://schemas.openxmlformats.org/drawingml/2006/main" xmlns:r="http://schemas.openxmlformats.org/officeDocument/2006/relationships" xmlns:p="http://schemas.openxmlformats.org/presentationml/2006/main">
   <p:cSld>
     <p:spTree>
@@ -15035,16 +14844,7 @@
                 </a:solidFill>
                 <a:cs typeface="Tahoma" panose="020B0604030504040204" pitchFamily="34" charset="0"/>
               </a:rPr>
-              <a:t>Physical </a:t>
-            </a:r>
-            <a:r>
-              <a:rPr lang="en-US" altLang="ko-KR" dirty="0" smtClean="0">
-                <a:solidFill>
-                  <a:srgbClr val="000000"/>
-                </a:solidFill>
-                <a:cs typeface="Tahoma" panose="020B0604030504040204" pitchFamily="34" charset="0"/>
-              </a:rPr>
-              <a:t>layer</a:t>
+              <a:t>Physical layer</a:t>
             </a:r>
           </a:p>
           <a:p>
@@ -15086,16 +14886,7 @@
                 </a:solidFill>
                 <a:cs typeface="Tahoma" panose="020B0604030504040204" pitchFamily="34" charset="0"/>
               </a:rPr>
-              <a:t>Can’t consider upper layer </a:t>
-            </a:r>
-            <a:r>
-              <a:rPr lang="en-US" altLang="ko-KR" dirty="0" smtClean="0">
-                <a:solidFill>
-                  <a:srgbClr val="000000"/>
-                </a:solidFill>
-                <a:cs typeface="Tahoma" panose="020B0604030504040204" pitchFamily="34" charset="0"/>
-              </a:rPr>
-              <a:t>situation</a:t>
+              <a:t>Can’t consider upper layer situation</a:t>
             </a:r>
             <a:endParaRPr lang="en-US" altLang="ko-KR" dirty="0">
               <a:solidFill>
@@ -15167,23 +14958,8 @@
                 </a:solidFill>
                 <a:cs typeface="Tahoma" panose="020B0604030504040204" pitchFamily="34" charset="0"/>
               </a:rPr>
-              <a:t>Real throughput is not decided by </a:t>
+              <a:t>Real throughput is not decided by RSSI</a:t>
             </a:r>
-            <a:r>
-              <a:rPr lang="en-US" altLang="ko-KR" dirty="0" smtClean="0">
-                <a:solidFill>
-                  <a:srgbClr val="000000"/>
-                </a:solidFill>
-                <a:cs typeface="Tahoma" panose="020B0604030504040204" pitchFamily="34" charset="0"/>
-              </a:rPr>
-              <a:t>RSSI</a:t>
-            </a:r>
-            <a:endParaRPr lang="en-US" altLang="ko-KR" dirty="0" smtClean="0">
-              <a:solidFill>
-                <a:srgbClr val="000000"/>
-              </a:solidFill>
-              <a:cs typeface="Tahoma" panose="020B0604030504040204" pitchFamily="34" charset="0"/>
-            </a:endParaRPr>
           </a:p>
           <a:p>
             <a:pPr lvl="1"/>
@@ -15245,6 +15021,169 @@
               <a:pPr>
                 <a:defRPr/>
               </a:pPr>
+              <a:t>4</a:t>
+            </a:fld>
+            <a:endParaRPr lang="en-US" altLang="ko-KR" dirty="0"/>
+          </a:p>
+        </p:txBody>
+      </p:sp>
+    </p:spTree>
+    <p:extLst>
+      <p:ext uri="{BB962C8B-B14F-4D97-AF65-F5344CB8AC3E}">
+        <p14:creationId xmlns:p14="http://schemas.microsoft.com/office/powerpoint/2010/main" val="3468314198"/>
+      </p:ext>
+    </p:extLst>
+  </p:cSld>
+  <p:clrMapOvr>
+    <a:masterClrMapping/>
+  </p:clrMapOvr>
+  <p:timing>
+    <p:tnLst>
+      <p:par>
+        <p:cTn id="1" dur="indefinite" restart="never" nodeType="tmRoot"/>
+      </p:par>
+    </p:tnLst>
+  </p:timing>
+</p:sld>
+</file>
+
+<file path=ppt/slides/slide5.xml><?xml version="1.0" encoding="utf-8"?>
+<p:sld xmlns:a="http://schemas.openxmlformats.org/drawingml/2006/main" xmlns:r="http://schemas.openxmlformats.org/officeDocument/2006/relationships" xmlns:p="http://schemas.openxmlformats.org/presentationml/2006/main">
+  <p:cSld>
+    <p:spTree>
+      <p:nvGrpSpPr>
+        <p:cNvPr id="1" name=""/>
+        <p:cNvGrpSpPr/>
+        <p:nvPr/>
+      </p:nvGrpSpPr>
+      <p:grpSpPr>
+        <a:xfrm>
+          <a:off x="0" y="0"/>
+          <a:ext cx="0" cy="0"/>
+          <a:chOff x="0" y="0"/>
+          <a:chExt cx="0" cy="0"/>
+        </a:xfrm>
+      </p:grpSpPr>
+      <p:sp>
+        <p:nvSpPr>
+          <p:cNvPr id="2" name="제목 1"/>
+          <p:cNvSpPr>
+            <a:spLocks noGrp="1"/>
+          </p:cNvSpPr>
+          <p:nvPr>
+            <p:ph type="title"/>
+          </p:nvPr>
+        </p:nvSpPr>
+        <p:spPr/>
+        <p:txBody>
+          <a:bodyPr/>
+          <a:lstStyle/>
+          <a:p>
+            <a:r>
+              <a:rPr lang="en-US" altLang="ko-KR" dirty="0" smtClean="0"/>
+              <a:t>Bandwidth Estimation</a:t>
+            </a:r>
+            <a:endParaRPr lang="ko-KR" altLang="en-US" dirty="0"/>
+          </a:p>
+        </p:txBody>
+      </p:sp>
+      <p:sp>
+        <p:nvSpPr>
+          <p:cNvPr id="3" name="내용 개체 틀 2"/>
+          <p:cNvSpPr>
+            <a:spLocks noGrp="1"/>
+          </p:cNvSpPr>
+          <p:nvPr>
+            <p:ph idx="1"/>
+          </p:nvPr>
+        </p:nvSpPr>
+        <p:spPr/>
+        <p:txBody>
+          <a:bodyPr/>
+          <a:lstStyle/>
+          <a:p>
+            <a:r>
+              <a:rPr lang="en-US" altLang="ko-KR" dirty="0" smtClean="0"/>
+              <a:t>Round Trip Time</a:t>
+            </a:r>
+          </a:p>
+          <a:p>
+            <a:pPr lvl="1"/>
+            <a:r>
+              <a:rPr lang="en-US" altLang="ko-KR" dirty="0"/>
+              <a:t>Theoretical, bandwidth is inversely </a:t>
+            </a:r>
+            <a:r>
+              <a:rPr lang="en-US" altLang="ko-KR" dirty="0" smtClean="0"/>
+              <a:t>related</a:t>
+            </a:r>
+          </a:p>
+          <a:p>
+            <a:pPr lvl="1"/>
+            <a:endParaRPr lang="en-US" altLang="ko-KR" dirty="0" smtClean="0"/>
+          </a:p>
+          <a:p>
+            <a:pPr lvl="1"/>
+            <a:r>
+              <a:rPr lang="en-US" altLang="ko-KR" dirty="0" smtClean="0"/>
+              <a:t>Hypothesis</a:t>
+            </a:r>
+            <a:r>
+              <a:rPr lang="en-US" altLang="ko-KR" dirty="0"/>
+              <a:t>: there is inverse relationship between Bandwidth and </a:t>
+            </a:r>
+            <a:r>
+              <a:rPr lang="en-US" altLang="ko-KR" dirty="0" smtClean="0"/>
+              <a:t>RTT</a:t>
+            </a:r>
+          </a:p>
+          <a:p>
+            <a:pPr lvl="2"/>
+            <a:r>
+              <a:rPr lang="en-US" altLang="ko-KR" dirty="0" smtClean="0"/>
+              <a:t>Two devices: Galaxy A7, Raspberry PI</a:t>
+            </a:r>
+          </a:p>
+          <a:p>
+            <a:pPr lvl="2"/>
+            <a:r>
+              <a:rPr lang="en-US" altLang="ko-KR" dirty="0" smtClean="0"/>
+              <a:t>Tools: </a:t>
+            </a:r>
+            <a:r>
+              <a:rPr lang="en-US" altLang="ko-KR" dirty="0" err="1" smtClean="0"/>
+              <a:t>iperf</a:t>
+            </a:r>
+            <a:r>
+              <a:rPr lang="en-US" altLang="ko-KR" dirty="0" smtClean="0"/>
+              <a:t>(Bandwidth), ICMP ping(RTT)</a:t>
+            </a:r>
+          </a:p>
+        </p:txBody>
+      </p:sp>
+      <p:sp>
+        <p:nvSpPr>
+          <p:cNvPr id="4" name="슬라이드 번호 개체 틀 3"/>
+          <p:cNvSpPr>
+            <a:spLocks noGrp="1"/>
+          </p:cNvSpPr>
+          <p:nvPr>
+            <p:ph type="sldNum" sz="quarter" idx="10"/>
+          </p:nvPr>
+        </p:nvSpPr>
+        <p:spPr/>
+        <p:txBody>
+          <a:bodyPr/>
+          <a:lstStyle/>
+          <a:p>
+            <a:pPr>
+              <a:defRPr/>
+            </a:pPr>
+            <a:fld id="{3AC61161-2E5C-46D0-95EC-509A5D61BACE}" type="slidenum">
+              <a:rPr lang="en-US" altLang="ko-KR" smtClean="0"/>
+              <a:pPr>
+                <a:defRPr/>
+              </a:pPr>
               <a:t>5</a:t>
             </a:fld>
             <a:endParaRPr lang="en-US" altLang="ko-KR" dirty="0"/>
@@ -15254,7 +15193,7 @@
     </p:spTree>
     <p:extLst>
       <p:ext uri="{BB962C8B-B14F-4D97-AF65-F5344CB8AC3E}">
-        <p14:creationId xmlns:p14="http://schemas.microsoft.com/office/powerpoint/2010/main" val="3468314198"/>
+        <p14:creationId xmlns:p14="http://schemas.microsoft.com/office/powerpoint/2010/main" val="2138729429"/>
       </p:ext>
     </p:extLst>
   </p:cSld>
@@ -15330,60 +15269,29 @@
               <a:rPr lang="en-US" altLang="ko-KR" dirty="0" smtClean="0"/>
               <a:t>Round Trip Time</a:t>
             </a:r>
-            <a:endParaRPr lang="en-US" altLang="ko-KR" dirty="0" smtClean="0"/>
-          </a:p>
-          <a:p>
-            <a:pPr lvl="1"/>
-            <a:r>
-              <a:rPr lang="en-US" altLang="ko-KR" dirty="0"/>
-              <a:t>Theoretical, bandwidth is inversely </a:t>
-            </a:r>
-            <a:r>
-              <a:rPr lang="en-US" altLang="ko-KR" dirty="0" smtClean="0"/>
-              <a:t>related</a:t>
-            </a:r>
-          </a:p>
-          <a:p>
-            <a:pPr lvl="1"/>
-            <a:endParaRPr lang="en-US" altLang="ko-KR" dirty="0" smtClean="0"/>
           </a:p>
           <a:p>
             <a:pPr lvl="1"/>
             <a:r>
               <a:rPr lang="en-US" altLang="ko-KR" dirty="0" smtClean="0"/>
-              <a:t>Hypothesis</a:t>
+              <a:t>Compare </a:t>
             </a:r>
             <a:r>
               <a:rPr lang="en-US" altLang="ko-KR" dirty="0"/>
-              <a:t>: there is inverse relationship between Bandwidth and </a:t>
+              <a:t>between </a:t>
             </a:r>
             <a:r>
               <a:rPr lang="en-US" altLang="ko-KR" dirty="0" smtClean="0"/>
-              <a:t>RTT</a:t>
-            </a:r>
-          </a:p>
-          <a:p>
-            <a:pPr lvl="2"/>
-            <a:r>
-              <a:rPr lang="en-US" altLang="ko-KR" dirty="0" smtClean="0"/>
-              <a:t>Two devices: Galaxy A7, Raspberry PI</a:t>
-            </a:r>
-          </a:p>
-          <a:p>
-            <a:pPr lvl="2"/>
-            <a:r>
-              <a:rPr lang="en-US" altLang="ko-KR" dirty="0" smtClean="0"/>
-              <a:t>Tools: </a:t>
+              <a:t>K/RTT (K = 800) </a:t>
             </a:r>
             <a:r>
-              <a:rPr lang="en-US" altLang="ko-KR" dirty="0" err="1" smtClean="0"/>
-              <a:t>iperf</a:t>
+              <a:rPr lang="en-US" altLang="ko-KR" dirty="0"/>
+              <a:t>and </a:t>
             </a:r>
             <a:r>
               <a:rPr lang="en-US" altLang="ko-KR" dirty="0" smtClean="0"/>
-              <a:t>(Bandwidth), ICMP ping(RTT)</a:t>
+              <a:t>Bandwidth</a:t>
             </a:r>
-            <a:endParaRPr lang="en-US" altLang="ko-KR" dirty="0" smtClean="0"/>
           </a:p>
         </p:txBody>
       </p:sp>
@@ -15411,142 +15319,6 @@
                 <a:defRPr/>
               </a:pPr>
               <a:t>6</a:t>
-            </a:fld>
-            <a:endParaRPr lang="en-US" altLang="ko-KR" dirty="0"/>
-          </a:p>
-        </p:txBody>
-      </p:sp>
-    </p:spTree>
-    <p:extLst>
-      <p:ext uri="{BB962C8B-B14F-4D97-AF65-F5344CB8AC3E}">
-        <p14:creationId xmlns:p14="http://schemas.microsoft.com/office/powerpoint/2010/main" val="2138729429"/>
-      </p:ext>
-    </p:extLst>
-  </p:cSld>
-  <p:clrMapOvr>
-    <a:masterClrMapping/>
-  </p:clrMapOvr>
-  <p:timing>
-    <p:tnLst>
-      <p:par>
-        <p:cTn id="1" dur="indefinite" restart="never" nodeType="tmRoot"/>
-      </p:par>
-    </p:tnLst>
-  </p:timing>
-</p:sld>
-</file>
-
-<file path=ppt/slides/slide7.xml><?xml version="1.0" encoding="utf-8"?>
-<p:sld xmlns:a="http://schemas.openxmlformats.org/drawingml/2006/main" xmlns:r="http://schemas.openxmlformats.org/officeDocument/2006/relationships" xmlns:p="http://schemas.openxmlformats.org/presentationml/2006/main">
-  <p:cSld>
-    <p:spTree>
-      <p:nvGrpSpPr>
-        <p:cNvPr id="1" name=""/>
-        <p:cNvGrpSpPr/>
-        <p:nvPr/>
-      </p:nvGrpSpPr>
-      <p:grpSpPr>
-        <a:xfrm>
-          <a:off x="0" y="0"/>
-          <a:ext cx="0" cy="0"/>
-          <a:chOff x="0" y="0"/>
-          <a:chExt cx="0" cy="0"/>
-        </a:xfrm>
-      </p:grpSpPr>
-      <p:sp>
-        <p:nvSpPr>
-          <p:cNvPr id="2" name="제목 1"/>
-          <p:cNvSpPr>
-            <a:spLocks noGrp="1"/>
-          </p:cNvSpPr>
-          <p:nvPr>
-            <p:ph type="title"/>
-          </p:nvPr>
-        </p:nvSpPr>
-        <p:spPr/>
-        <p:txBody>
-          <a:bodyPr/>
-          <a:lstStyle/>
-          <a:p>
-            <a:r>
-              <a:rPr lang="en-US" altLang="ko-KR" dirty="0" smtClean="0"/>
-              <a:t>Bandwidth Estimation</a:t>
-            </a:r>
-            <a:endParaRPr lang="ko-KR" altLang="en-US" dirty="0"/>
-          </a:p>
-        </p:txBody>
-      </p:sp>
-      <p:sp>
-        <p:nvSpPr>
-          <p:cNvPr id="3" name="내용 개체 틀 2"/>
-          <p:cNvSpPr>
-            <a:spLocks noGrp="1"/>
-          </p:cNvSpPr>
-          <p:nvPr>
-            <p:ph idx="1"/>
-          </p:nvPr>
-        </p:nvSpPr>
-        <p:spPr/>
-        <p:txBody>
-          <a:bodyPr/>
-          <a:lstStyle/>
-          <a:p>
-            <a:r>
-              <a:rPr lang="en-US" altLang="ko-KR" dirty="0" smtClean="0"/>
-              <a:t>Round Trip Time</a:t>
-            </a:r>
-            <a:endParaRPr lang="en-US" altLang="ko-KR" dirty="0" smtClean="0"/>
-          </a:p>
-          <a:p>
-            <a:pPr lvl="1"/>
-            <a:r>
-              <a:rPr lang="en-US" altLang="ko-KR" dirty="0" smtClean="0"/>
-              <a:t>Compare </a:t>
-            </a:r>
-            <a:r>
-              <a:rPr lang="en-US" altLang="ko-KR" dirty="0"/>
-              <a:t>between </a:t>
-            </a:r>
-            <a:r>
-              <a:rPr lang="en-US" altLang="ko-KR" dirty="0" smtClean="0"/>
-              <a:t>K/RTT (K = 800) </a:t>
-            </a:r>
-            <a:r>
-              <a:rPr lang="en-US" altLang="ko-KR" dirty="0"/>
-              <a:t>and </a:t>
-            </a:r>
-            <a:r>
-              <a:rPr lang="en-US" altLang="ko-KR" dirty="0" smtClean="0"/>
-              <a:t>Bandwidth</a:t>
-            </a:r>
-            <a:endParaRPr lang="en-US" altLang="ko-KR" dirty="0" smtClean="0"/>
-          </a:p>
-        </p:txBody>
-      </p:sp>
-      <p:sp>
-        <p:nvSpPr>
-          <p:cNvPr id="4" name="슬라이드 번호 개체 틀 3"/>
-          <p:cNvSpPr>
-            <a:spLocks noGrp="1"/>
-          </p:cNvSpPr>
-          <p:nvPr>
-            <p:ph type="sldNum" sz="quarter" idx="10"/>
-          </p:nvPr>
-        </p:nvSpPr>
-        <p:spPr/>
-        <p:txBody>
-          <a:bodyPr/>
-          <a:lstStyle/>
-          <a:p>
-            <a:pPr>
-              <a:defRPr/>
-            </a:pPr>
-            <a:fld id="{3AC61161-2E5C-46D0-95EC-509A5D61BACE}" type="slidenum">
-              <a:rPr lang="en-US" altLang="ko-KR" smtClean="0"/>
-              <a:pPr>
-                <a:defRPr/>
-              </a:pPr>
-              <a:t>7</a:t>
             </a:fld>
             <a:endParaRPr lang="en-US" altLang="ko-KR" dirty="0"/>
           </a:p>
@@ -15644,7 +15416,7 @@
 </p:sld>
 </file>
 
-<file path=ppt/slides/slide8.xml><?xml version="1.0" encoding="utf-8"?>
+<file path=ppt/slides/slide7.xml><?xml version="1.0" encoding="utf-8"?>
 <p:sld xmlns:a="http://schemas.openxmlformats.org/drawingml/2006/main" xmlns:r="http://schemas.openxmlformats.org/officeDocument/2006/relationships" xmlns:p="http://schemas.openxmlformats.org/presentationml/2006/main">
   <p:cSld>
     <p:spTree>
@@ -15703,7 +15475,6 @@
               <a:rPr lang="en-US" altLang="ko-KR" dirty="0" smtClean="0"/>
               <a:t>Round Trip Time</a:t>
             </a:r>
-            <a:endParaRPr lang="en-US" altLang="ko-KR" dirty="0" smtClean="0"/>
           </a:p>
           <a:p>
             <a:pPr lvl="1"/>
@@ -15773,7 +15544,7 @@
               <a:pPr>
                 <a:defRPr/>
               </a:pPr>
-              <a:t>8</a:t>
+              <a:t>7</a:t>
             </a:fld>
             <a:endParaRPr lang="en-US" altLang="ko-KR" dirty="0"/>
           </a:p>
@@ -16160,8 +15931,8 @@
           <a:effectLst/>
         </p:spPr>
       </p:cxnSp>
-      <mc:AlternateContent xmlns:mc="http://schemas.openxmlformats.org/markup-compatibility/2006">
-        <mc:Choice xmlns:a14="http://schemas.microsoft.com/office/drawing/2010/main" Requires="a14">
+      <mc:AlternateContent xmlns:mc="http://schemas.openxmlformats.org/markup-compatibility/2006" xmlns:a14="http://schemas.microsoft.com/office/drawing/2010/main">
+        <mc:Choice Requires="a14">
           <p:sp>
             <p:nvSpPr>
               <p:cNvPr id="15" name="TextBox 14"/>
@@ -16205,7 +15976,7 @@
                         <a:rPr lang="en-US" altLang="ko-KR" sz="2000" b="0" i="1" smtClean="0">
                           <a:latin typeface="Cambria Math" panose="02040503050406030204" pitchFamily="18" charset="0"/>
                         </a:rPr>
-                        <m:t>=</m:t>
+                        <m:t>=1−</m:t>
                       </m:r>
                       <m:f>
                         <m:fPr>
@@ -16256,7 +16027,7 @@
             </p:txBody>
           </p:sp>
         </mc:Choice>
-        <mc:Fallback>
+        <mc:Fallback xmlns="">
           <p:sp>
             <p:nvSpPr>
               <p:cNvPr id="15" name="TextBox 14"/>
@@ -16794,7 +16565,7 @@
 </p:sld>
 </file>
 
-<file path=ppt/slides/slide9.xml><?xml version="1.0" encoding="utf-8"?>
+<file path=ppt/slides/slide8.xml><?xml version="1.0" encoding="utf-8"?>
 <p:sld xmlns:a="http://schemas.openxmlformats.org/drawingml/2006/main" xmlns:r="http://schemas.openxmlformats.org/officeDocument/2006/relationships" xmlns:p="http://schemas.openxmlformats.org/presentationml/2006/main">
   <p:cSld>
     <p:spTree>
@@ -16813,38 +16584,148 @@
       </p:grpSpPr>
       <p:sp>
         <p:nvSpPr>
-          <p:cNvPr id="45" name="자유형 44"/>
+          <p:cNvPr id="6" name="자유형 5"/>
           <p:cNvSpPr/>
           <p:nvPr/>
         </p:nvSpPr>
         <p:spPr>
           <a:xfrm>
-            <a:off x="4854102" y="4102360"/>
-            <a:ext cx="2208179" cy="972766"/>
+            <a:off x="7091464" y="4143983"/>
+            <a:ext cx="1060315" cy="924128"/>
           </a:xfrm>
           <a:custGeom>
             <a:avLst/>
             <a:gdLst>
-              <a:gd name="connsiteX0" fmla="*/ 2208179 w 2208179"/>
-              <a:gd name="connsiteY0" fmla="*/ 972766 h 972766"/>
-              <a:gd name="connsiteX1" fmla="*/ 2208179 w 2208179"/>
-              <a:gd name="connsiteY1" fmla="*/ 29183 h 972766"/>
-              <a:gd name="connsiteX2" fmla="*/ 1643975 w 2208179"/>
-              <a:gd name="connsiteY2" fmla="*/ 0 h 972766"/>
-              <a:gd name="connsiteX3" fmla="*/ 982494 w 2208179"/>
-              <a:gd name="connsiteY3" fmla="*/ 48638 h 972766"/>
-              <a:gd name="connsiteX4" fmla="*/ 671209 w 2208179"/>
-              <a:gd name="connsiteY4" fmla="*/ 175098 h 972766"/>
-              <a:gd name="connsiteX5" fmla="*/ 496111 w 2208179"/>
-              <a:gd name="connsiteY5" fmla="*/ 301557 h 972766"/>
-              <a:gd name="connsiteX6" fmla="*/ 321013 w 2208179"/>
-              <a:gd name="connsiteY6" fmla="*/ 554476 h 972766"/>
-              <a:gd name="connsiteX7" fmla="*/ 214009 w 2208179"/>
-              <a:gd name="connsiteY7" fmla="*/ 719847 h 972766"/>
-              <a:gd name="connsiteX8" fmla="*/ 0 w 2208179"/>
-              <a:gd name="connsiteY8" fmla="*/ 963038 h 972766"/>
-              <a:gd name="connsiteX9" fmla="*/ 2208179 w 2208179"/>
-              <a:gd name="connsiteY9" fmla="*/ 972766 h 972766"/>
+              <a:gd name="connsiteX0" fmla="*/ 0 w 1060315"/>
+              <a:gd name="connsiteY0" fmla="*/ 924128 h 924128"/>
+              <a:gd name="connsiteX1" fmla="*/ 0 w 1060315"/>
+              <a:gd name="connsiteY1" fmla="*/ 924128 h 924128"/>
+              <a:gd name="connsiteX2" fmla="*/ 0 w 1060315"/>
+              <a:gd name="connsiteY2" fmla="*/ 0 h 924128"/>
+              <a:gd name="connsiteX3" fmla="*/ 350196 w 1060315"/>
+              <a:gd name="connsiteY3" fmla="*/ 97277 h 924128"/>
+              <a:gd name="connsiteX4" fmla="*/ 622570 w 1060315"/>
+              <a:gd name="connsiteY4" fmla="*/ 340468 h 924128"/>
+              <a:gd name="connsiteX5" fmla="*/ 817123 w 1060315"/>
+              <a:gd name="connsiteY5" fmla="*/ 680936 h 924128"/>
+              <a:gd name="connsiteX6" fmla="*/ 1060315 w 1060315"/>
+              <a:gd name="connsiteY6" fmla="*/ 924128 h 924128"/>
+              <a:gd name="connsiteX7" fmla="*/ 0 w 1060315"/>
+              <a:gd name="connsiteY7" fmla="*/ 924128 h 924128"/>
+            </a:gdLst>
+            <a:ahLst/>
+            <a:cxnLst>
+              <a:cxn ang="0">
+                <a:pos x="connsiteX0" y="connsiteY0"/>
+              </a:cxn>
+              <a:cxn ang="0">
+                <a:pos x="connsiteX1" y="connsiteY1"/>
+              </a:cxn>
+              <a:cxn ang="0">
+                <a:pos x="connsiteX2" y="connsiteY2"/>
+              </a:cxn>
+              <a:cxn ang="0">
+                <a:pos x="connsiteX3" y="connsiteY3"/>
+              </a:cxn>
+              <a:cxn ang="0">
+                <a:pos x="connsiteX4" y="connsiteY4"/>
+              </a:cxn>
+              <a:cxn ang="0">
+                <a:pos x="connsiteX5" y="connsiteY5"/>
+              </a:cxn>
+              <a:cxn ang="0">
+                <a:pos x="connsiteX6" y="connsiteY6"/>
+              </a:cxn>
+              <a:cxn ang="0">
+                <a:pos x="connsiteX7" y="connsiteY7"/>
+              </a:cxn>
+            </a:cxnLst>
+            <a:rect l="l" t="t" r="r" b="b"/>
+            <a:pathLst>
+              <a:path w="1060315" h="924128">
+                <a:moveTo>
+                  <a:pt x="0" y="924128"/>
+                </a:moveTo>
+                <a:lnTo>
+                  <a:pt x="0" y="924128"/>
+                </a:lnTo>
+                <a:lnTo>
+                  <a:pt x="0" y="0"/>
+                </a:lnTo>
+                <a:lnTo>
+                  <a:pt x="350196" y="97277"/>
+                </a:lnTo>
+                <a:lnTo>
+                  <a:pt x="622570" y="340468"/>
+                </a:lnTo>
+                <a:lnTo>
+                  <a:pt x="817123" y="680936"/>
+                </a:lnTo>
+                <a:lnTo>
+                  <a:pt x="1060315" y="924128"/>
+                </a:lnTo>
+                <a:lnTo>
+                  <a:pt x="0" y="924128"/>
+                </a:lnTo>
+                <a:close/>
+              </a:path>
+            </a:pathLst>
+          </a:custGeom>
+          <a:solidFill>
+            <a:schemeClr val="accent4">
+              <a:lumMod val="50000"/>
+              <a:lumOff val="50000"/>
+            </a:schemeClr>
+          </a:solidFill>
+        </p:spPr>
+        <p:txBody>
+          <a:bodyPr wrap="none" rtlCol="0" anchor="ctr">
+            <a:spAutoFit/>
+          </a:bodyPr>
+          <a:lstStyle/>
+          <a:p>
+            <a:pPr algn="ctr"/>
+            <a:endParaRPr lang="ko-KR" altLang="en-US" sz="1200" i="1" smtClean="0">
+              <a:solidFill>
+                <a:srgbClr val="FF0000"/>
+              </a:solidFill>
+              <a:latin typeface="Cambria Math" panose="02040503050406030204" pitchFamily="18" charset="0"/>
+            </a:endParaRPr>
+          </a:p>
+        </p:txBody>
+      </p:sp>
+      <p:sp>
+        <p:nvSpPr>
+          <p:cNvPr id="5" name="자유형 4"/>
+          <p:cNvSpPr/>
+          <p:nvPr/>
+        </p:nvSpPr>
+        <p:spPr>
+          <a:xfrm>
+            <a:off x="1507787" y="3570051"/>
+            <a:ext cx="2023353" cy="1488332"/>
+          </a:xfrm>
+          <a:custGeom>
+            <a:avLst/>
+            <a:gdLst>
+              <a:gd name="connsiteX0" fmla="*/ 0 w 2023353"/>
+              <a:gd name="connsiteY0" fmla="*/ 1488332 h 1488332"/>
+              <a:gd name="connsiteX1" fmla="*/ 0 w 2023353"/>
+              <a:gd name="connsiteY1" fmla="*/ 535021 h 1488332"/>
+              <a:gd name="connsiteX2" fmla="*/ 272375 w 2023353"/>
+              <a:gd name="connsiteY2" fmla="*/ 175098 h 1488332"/>
+              <a:gd name="connsiteX3" fmla="*/ 710119 w 2023353"/>
+              <a:gd name="connsiteY3" fmla="*/ 0 h 1488332"/>
+              <a:gd name="connsiteX4" fmla="*/ 1070043 w 2023353"/>
+              <a:gd name="connsiteY4" fmla="*/ 97277 h 1488332"/>
+              <a:gd name="connsiteX5" fmla="*/ 1381328 w 2023353"/>
+              <a:gd name="connsiteY5" fmla="*/ 428017 h 1488332"/>
+              <a:gd name="connsiteX6" fmla="*/ 1770434 w 2023353"/>
+              <a:gd name="connsiteY6" fmla="*/ 1177047 h 1488332"/>
+              <a:gd name="connsiteX7" fmla="*/ 2023353 w 2023353"/>
+              <a:gd name="connsiteY7" fmla="*/ 1488332 h 1488332"/>
+              <a:gd name="connsiteX8" fmla="*/ 0 w 2023353"/>
+              <a:gd name="connsiteY8" fmla="*/ 1488332 h 1488332"/>
             </a:gdLst>
             <a:ahLst/>
             <a:cxnLst>
@@ -16875,134 +16756,46 @@
               <a:cxn ang="0">
                 <a:pos x="connsiteX8" y="connsiteY8"/>
               </a:cxn>
-              <a:cxn ang="0">
-                <a:pos x="connsiteX9" y="connsiteY9"/>
-              </a:cxn>
             </a:cxnLst>
             <a:rect l="l" t="t" r="r" b="b"/>
             <a:pathLst>
-              <a:path w="2208179" h="972766">
+              <a:path w="2023353" h="1488332">
                 <a:moveTo>
-                  <a:pt x="2208179" y="972766"/>
+                  <a:pt x="0" y="1488332"/>
                 </a:moveTo>
                 <a:lnTo>
-                  <a:pt x="2208179" y="29183"/>
+                  <a:pt x="0" y="535021"/>
                 </a:lnTo>
                 <a:lnTo>
-                  <a:pt x="1643975" y="0"/>
+                  <a:pt x="272375" y="175098"/>
                 </a:lnTo>
                 <a:lnTo>
-                  <a:pt x="982494" y="48638"/>
+                  <a:pt x="710119" y="0"/>
                 </a:lnTo>
                 <a:lnTo>
-                  <a:pt x="671209" y="175098"/>
+                  <a:pt x="1070043" y="97277"/>
                 </a:lnTo>
                 <a:lnTo>
-                  <a:pt x="496111" y="301557"/>
+                  <a:pt x="1381328" y="428017"/>
                 </a:lnTo>
                 <a:lnTo>
-                  <a:pt x="321013" y="554476"/>
+                  <a:pt x="1770434" y="1177047"/>
                 </a:lnTo>
                 <a:lnTo>
-                  <a:pt x="214009" y="719847"/>
+                  <a:pt x="2023353" y="1488332"/>
                 </a:lnTo>
                 <a:lnTo>
-                  <a:pt x="0" y="963038"/>
-                </a:lnTo>
-                <a:lnTo>
-                  <a:pt x="2208179" y="972766"/>
+                  <a:pt x="0" y="1488332"/>
                 </a:lnTo>
                 <a:close/>
               </a:path>
             </a:pathLst>
           </a:custGeom>
           <a:solidFill>
-            <a:srgbClr val="99FF99"/>
-          </a:solidFill>
-        </p:spPr>
-        <p:txBody>
-          <a:bodyPr wrap="none" rtlCol="0" anchor="ctr">
-            <a:spAutoFit/>
-          </a:bodyPr>
-          <a:lstStyle/>
-          <a:p>
-            <a:pPr algn="ctr"/>
-            <a:endParaRPr lang="ko-KR" altLang="en-US" sz="1200" i="1" smtClean="0">
-              <a:solidFill>
-                <a:srgbClr val="FF0000"/>
-              </a:solidFill>
-              <a:latin typeface="Cambria Math" panose="02040503050406030204" pitchFamily="18" charset="0"/>
-            </a:endParaRPr>
-          </a:p>
-        </p:txBody>
-      </p:sp>
-      <p:sp>
-        <p:nvSpPr>
-          <p:cNvPr id="44" name="자유형 43"/>
-          <p:cNvSpPr/>
-          <p:nvPr/>
-        </p:nvSpPr>
-        <p:spPr>
-          <a:xfrm>
-            <a:off x="924128" y="4209364"/>
-            <a:ext cx="554476" cy="865762"/>
-          </a:xfrm>
-          <a:custGeom>
-            <a:avLst/>
-            <a:gdLst>
-              <a:gd name="connsiteX0" fmla="*/ 554476 w 554476"/>
-              <a:gd name="connsiteY0" fmla="*/ 0 h 865762"/>
-              <a:gd name="connsiteX1" fmla="*/ 554476 w 554476"/>
-              <a:gd name="connsiteY1" fmla="*/ 865762 h 865762"/>
-              <a:gd name="connsiteX2" fmla="*/ 0 w 554476"/>
-              <a:gd name="connsiteY2" fmla="*/ 865762 h 865762"/>
-              <a:gd name="connsiteX3" fmla="*/ 233463 w 554476"/>
-              <a:gd name="connsiteY3" fmla="*/ 496111 h 865762"/>
-              <a:gd name="connsiteX4" fmla="*/ 554476 w 554476"/>
-              <a:gd name="connsiteY4" fmla="*/ 0 h 865762"/>
-            </a:gdLst>
-            <a:ahLst/>
-            <a:cxnLst>
-              <a:cxn ang="0">
-                <a:pos x="connsiteX0" y="connsiteY0"/>
-              </a:cxn>
-              <a:cxn ang="0">
-                <a:pos x="connsiteX1" y="connsiteY1"/>
-              </a:cxn>
-              <a:cxn ang="0">
-                <a:pos x="connsiteX2" y="connsiteY2"/>
-              </a:cxn>
-              <a:cxn ang="0">
-                <a:pos x="connsiteX3" y="connsiteY3"/>
-              </a:cxn>
-              <a:cxn ang="0">
-                <a:pos x="connsiteX4" y="connsiteY4"/>
-              </a:cxn>
-            </a:cxnLst>
-            <a:rect l="l" t="t" r="r" b="b"/>
-            <a:pathLst>
-              <a:path w="554476" h="865762">
-                <a:moveTo>
-                  <a:pt x="554476" y="0"/>
-                </a:moveTo>
-                <a:lnTo>
-                  <a:pt x="554476" y="865762"/>
-                </a:lnTo>
-                <a:lnTo>
-                  <a:pt x="0" y="865762"/>
-                </a:lnTo>
-                <a:lnTo>
-                  <a:pt x="233463" y="496111"/>
-                </a:lnTo>
-                <a:lnTo>
-                  <a:pt x="554476" y="0"/>
-                </a:lnTo>
-                <a:close/>
-              </a:path>
-            </a:pathLst>
-          </a:custGeom>
-          <a:solidFill>
-            <a:srgbClr val="99FF99"/>
+            <a:schemeClr val="accent4">
+              <a:lumMod val="50000"/>
+              <a:lumOff val="50000"/>
+            </a:schemeClr>
           </a:solidFill>
         </p:spPr>
         <p:txBody>
@@ -17044,8 +16837,8 @@
           </a:p>
         </p:txBody>
       </p:sp>
-      <mc:AlternateContent xmlns:mc="http://schemas.openxmlformats.org/markup-compatibility/2006">
-        <mc:Choice xmlns:a14="http://schemas.microsoft.com/office/drawing/2010/main" Requires="a14">
+      <mc:AlternateContent xmlns:mc="http://schemas.openxmlformats.org/markup-compatibility/2006" xmlns:a14="http://schemas.microsoft.com/office/drawing/2010/main">
+        <mc:Choice Requires="a14">
           <p:sp>
             <p:nvSpPr>
               <p:cNvPr id="3" name="내용 개체 틀 2"/>
@@ -17100,16 +16893,7 @@
                     </a:solidFill>
                     <a:cs typeface="Tahoma" panose="020B0604030504040204" pitchFamily="34" charset="0"/>
                   </a:rPr>
-                  <a:t> follows Gaussian </a:t>
-                </a:r>
-                <a:r>
-                  <a:rPr lang="en-US" altLang="ko-KR" dirty="0" smtClean="0">
-                    <a:solidFill>
-                      <a:srgbClr val="000000"/>
-                    </a:solidFill>
-                    <a:cs typeface="Tahoma" panose="020B0604030504040204" pitchFamily="34" charset="0"/>
-                  </a:rPr>
-                  <a:t>distribution</a:t>
+                  <a:t> follows Gaussian distribution</a:t>
                 </a:r>
               </a:p>
               <a:p>
@@ -17123,12 +16907,6 @@
                   </a:rPr>
                   <a:t>Statistical data will be made by collected RTT and PLR</a:t>
                 </a:r>
-                <a:endParaRPr lang="en-US" altLang="ko-KR" dirty="0" smtClean="0">
-                  <a:solidFill>
-                    <a:srgbClr val="000000"/>
-                  </a:solidFill>
-                  <a:cs typeface="Tahoma" panose="020B0604030504040204" pitchFamily="34" charset="0"/>
-                </a:endParaRPr>
               </a:p>
               <a:p>
                 <a:pPr lvl="1"/>
@@ -17202,43 +16980,9 @@
                 </a:r>
               </a:p>
               <a:p>
-                <a:pPr lvl="1"/>
-                <a:endParaRPr lang="en-US" altLang="ko-KR" dirty="0" smtClean="0">
-                  <a:solidFill>
-                    <a:srgbClr val="000000"/>
-                  </a:solidFill>
-                  <a:cs typeface="Tahoma" panose="020B0604030504040204" pitchFamily="34" charset="0"/>
-                </a:endParaRPr>
-              </a:p>
-              <a:p>
-                <a:pPr lvl="1"/>
-                <a:endParaRPr lang="en-US" altLang="ko-KR" dirty="0">
-                  <a:solidFill>
-                    <a:srgbClr val="000000"/>
-                  </a:solidFill>
-                  <a:cs typeface="Tahoma" panose="020B0604030504040204" pitchFamily="34" charset="0"/>
-                </a:endParaRPr>
-              </a:p>
-              <a:p>
-                <a:pPr lvl="1"/>
-                <a:endParaRPr lang="en-US" altLang="ko-KR" dirty="0" smtClean="0">
-                  <a:solidFill>
-                    <a:srgbClr val="000000"/>
-                  </a:solidFill>
-                  <a:cs typeface="Tahoma" panose="020B0604030504040204" pitchFamily="34" charset="0"/>
-                </a:endParaRPr>
-              </a:p>
-              <a:p>
-                <a:pPr lvl="1"/>
-                <a:endParaRPr lang="en-US" altLang="ko-KR" dirty="0">
-                  <a:solidFill>
-                    <a:srgbClr val="000000"/>
-                  </a:solidFill>
-                  <a:cs typeface="Tahoma" panose="020B0604030504040204" pitchFamily="34" charset="0"/>
-                </a:endParaRPr>
-              </a:p>
-              <a:p>
-                <a:pPr lvl="1"/>
+                <a:pPr marL="457200" lvl="1" indent="0">
+                  <a:buNone/>
+                </a:pPr>
                 <a:endParaRPr lang="en-US" altLang="ko-KR" dirty="0" smtClean="0">
                   <a:solidFill>
                     <a:srgbClr val="000000"/>
@@ -17260,7 +17004,7 @@
             </p:txBody>
           </p:sp>
         </mc:Choice>
-        <mc:Fallback>
+        <mc:Fallback xmlns="">
           <p:sp>
             <p:nvSpPr>
               <p:cNvPr id="3" name="내용 개체 틀 2"/>
@@ -17317,7 +17061,7 @@
               <a:pPr>
                 <a:defRPr/>
               </a:pPr>
-              <a:t>9</a:t>
+              <a:t>8</a:t>
             </a:fld>
             <a:endParaRPr lang="en-US" altLang="ko-KR" dirty="0"/>
           </a:p>
@@ -17484,8 +17228,8 @@
           <a:effectLst/>
         </p:spPr>
       </p:cxnSp>
-      <mc:AlternateContent xmlns:mc="http://schemas.openxmlformats.org/markup-compatibility/2006">
-        <mc:Choice xmlns:a14="http://schemas.microsoft.com/office/drawing/2010/main" Requires="a14">
+      <mc:AlternateContent xmlns:mc="http://schemas.openxmlformats.org/markup-compatibility/2006" xmlns:a14="http://schemas.microsoft.com/office/drawing/2010/main">
+        <mc:Choice Requires="a14">
           <p:sp>
             <p:nvSpPr>
               <p:cNvPr id="19" name="TextBox 18"/>
@@ -17653,7 +17397,7 @@
             </p:txBody>
           </p:sp>
         </mc:Choice>
-        <mc:Fallback>
+        <mc:Fallback xmlns="">
           <p:sp>
             <p:nvSpPr>
               <p:cNvPr id="19" name="TextBox 18"/>
@@ -17881,8 +17625,8 @@
           <a:effectLst/>
         </p:spPr>
       </p:cxnSp>
-      <mc:AlternateContent xmlns:mc="http://schemas.openxmlformats.org/markup-compatibility/2006">
-        <mc:Choice xmlns:a14="http://schemas.microsoft.com/office/drawing/2010/main" Requires="a14">
+      <mc:AlternateContent xmlns:mc="http://schemas.openxmlformats.org/markup-compatibility/2006" xmlns:a14="http://schemas.microsoft.com/office/drawing/2010/main">
+        <mc:Choice Requires="a14">
           <p:sp>
             <p:nvSpPr>
               <p:cNvPr id="23" name="TextBox 22"/>
@@ -18050,7 +17794,7 @@
             </p:txBody>
           </p:sp>
         </mc:Choice>
-        <mc:Fallback>
+        <mc:Fallback xmlns="">
           <p:sp>
             <p:nvSpPr>
               <p:cNvPr id="23" name="TextBox 22"/>
@@ -18093,8 +17837,8 @@
           </p:sp>
         </mc:Fallback>
       </mc:AlternateContent>
-      <mc:AlternateContent xmlns:mc="http://schemas.openxmlformats.org/markup-compatibility/2006">
-        <mc:Choice xmlns:a14="http://schemas.microsoft.com/office/drawing/2010/main" Requires="a14">
+      <mc:AlternateContent xmlns:mc="http://schemas.openxmlformats.org/markup-compatibility/2006" xmlns:a14="http://schemas.microsoft.com/office/drawing/2010/main">
+        <mc:Choice Requires="a14">
           <p:sp>
             <p:nvSpPr>
               <p:cNvPr id="36" name="직사각형 35"/>
@@ -18164,7 +17908,7 @@
             </p:txBody>
           </p:sp>
         </mc:Choice>
-        <mc:Fallback>
+        <mc:Fallback xmlns="">
           <p:sp>
             <p:nvSpPr>
               <p:cNvPr id="36" name="직사각형 35"/>
@@ -18203,8 +17947,8 @@
           </p:sp>
         </mc:Fallback>
       </mc:AlternateContent>
-      <mc:AlternateContent xmlns:mc="http://schemas.openxmlformats.org/markup-compatibility/2006">
-        <mc:Choice xmlns:a14="http://schemas.microsoft.com/office/drawing/2010/main" Requires="a14">
+      <mc:AlternateContent xmlns:mc="http://schemas.openxmlformats.org/markup-compatibility/2006" xmlns:a14="http://schemas.microsoft.com/office/drawing/2010/main">
+        <mc:Choice Requires="a14">
           <p:sp>
             <p:nvSpPr>
               <p:cNvPr id="37" name="직사각형 36"/>
@@ -18274,7 +18018,7 @@
             </p:txBody>
           </p:sp>
         </mc:Choice>
-        <mc:Fallback>
+        <mc:Fallback xmlns="">
           <p:sp>
             <p:nvSpPr>
               <p:cNvPr id="37" name="직사각형 36"/>
@@ -18335,6 +18079,9 @@
                     <p:cTn id="3" fill="hold">
                       <p:stCondLst>
                         <p:cond delay="indefinite"/>
+                        <p:cond evt="onBegin" delay="0">
+                          <p:tn val="2"/>
+                        </p:cond>
                       </p:stCondLst>
                       <p:childTnLst>
                         <p:par>
@@ -18344,7 +18091,7 @@
                             </p:stCondLst>
                             <p:childTnLst>
                               <p:par>
-                                <p:cTn id="5" presetID="10" presetClass="entr" presetSubtype="0" fill="hold" grpId="0" nodeType="clickEffect">
+                                <p:cTn id="5" presetID="10" presetClass="entr" presetSubtype="0" fill="hold" grpId="0" nodeType="withEffect">
                                   <p:stCondLst>
                                     <p:cond delay="0"/>
                                   </p:stCondLst>
@@ -18352,76 +18099,6 @@
                                     <p:set>
                                       <p:cBhvr>
                                         <p:cTn id="6" dur="1" fill="hold">
-                                          <p:stCondLst>
-                                            <p:cond delay="0"/>
-                                          </p:stCondLst>
-                                        </p:cTn>
-                                        <p:tgtEl>
-                                          <p:spTgt spid="45"/>
-                                        </p:tgtEl>
-                                        <p:attrNameLst>
-                                          <p:attrName>style.visibility</p:attrName>
-                                        </p:attrNameLst>
-                                      </p:cBhvr>
-                                      <p:to>
-                                        <p:strVal val="visible"/>
-                                      </p:to>
-                                    </p:set>
-                                    <p:animEffect transition="in" filter="fade">
-                                      <p:cBhvr>
-                                        <p:cTn id="7" dur="500"/>
-                                        <p:tgtEl>
-                                          <p:spTgt spid="45"/>
-                                        </p:tgtEl>
-                                      </p:cBhvr>
-                                    </p:animEffect>
-                                  </p:childTnLst>
-                                </p:cTn>
-                              </p:par>
-                              <p:par>
-                                <p:cTn id="8" presetID="10" presetClass="entr" presetSubtype="0" fill="hold" grpId="0" nodeType="withEffect">
-                                  <p:stCondLst>
-                                    <p:cond delay="0"/>
-                                  </p:stCondLst>
-                                  <p:childTnLst>
-                                    <p:set>
-                                      <p:cBhvr>
-                                        <p:cTn id="9" dur="1" fill="hold">
-                                          <p:stCondLst>
-                                            <p:cond delay="0"/>
-                                          </p:stCondLst>
-                                        </p:cTn>
-                                        <p:tgtEl>
-                                          <p:spTgt spid="44"/>
-                                        </p:tgtEl>
-                                        <p:attrNameLst>
-                                          <p:attrName>style.visibility</p:attrName>
-                                        </p:attrNameLst>
-                                      </p:cBhvr>
-                                      <p:to>
-                                        <p:strVal val="visible"/>
-                                      </p:to>
-                                    </p:set>
-                                    <p:animEffect transition="in" filter="fade">
-                                      <p:cBhvr>
-                                        <p:cTn id="10" dur="500"/>
-                                        <p:tgtEl>
-                                          <p:spTgt spid="44"/>
-                                        </p:tgtEl>
-                                      </p:cBhvr>
-                                    </p:animEffect>
-                                  </p:childTnLst>
-                                </p:cTn>
-                              </p:par>
-                              <p:par>
-                                <p:cTn id="11" presetID="10" presetClass="entr" presetSubtype="0" fill="hold" grpId="0" nodeType="withEffect">
-                                  <p:stCondLst>
-                                    <p:cond delay="0"/>
-                                  </p:stCondLst>
-                                  <p:childTnLst>
-                                    <p:set>
-                                      <p:cBhvr>
-                                        <p:cTn id="12" dur="1" fill="hold">
                                           <p:stCondLst>
                                             <p:cond delay="0"/>
                                           </p:stCondLst>
@@ -18439,7 +18116,7 @@
                                     </p:set>
                                     <p:animEffect transition="in" filter="fade">
                                       <p:cBhvr>
-                                        <p:cTn id="13" dur="500"/>
+                                        <p:cTn id="7" dur="500"/>
                                         <p:tgtEl>
                                           <p:spTgt spid="8"/>
                                         </p:tgtEl>
@@ -18449,14 +18126,14 @@
                                 </p:cTn>
                               </p:par>
                               <p:par>
-                                <p:cTn id="14" presetID="10" presetClass="entr" presetSubtype="0" fill="hold" nodeType="withEffect">
+                                <p:cTn id="8" presetID="10" presetClass="entr" presetSubtype="0" fill="hold" nodeType="withEffect">
                                   <p:stCondLst>
                                     <p:cond delay="0"/>
                                   </p:stCondLst>
                                   <p:childTnLst>
                                     <p:set>
                                       <p:cBhvr>
-                                        <p:cTn id="15" dur="1" fill="hold">
+                                        <p:cTn id="9" dur="1" fill="hold">
                                           <p:stCondLst>
                                             <p:cond delay="0"/>
                                           </p:stCondLst>
@@ -18474,7 +18151,7 @@
                                     </p:set>
                                     <p:animEffect transition="in" filter="fade">
                                       <p:cBhvr>
-                                        <p:cTn id="16" dur="500"/>
+                                        <p:cTn id="10" dur="500"/>
                                         <p:tgtEl>
                                           <p:spTgt spid="16"/>
                                         </p:tgtEl>
@@ -18484,14 +18161,14 @@
                                 </p:cTn>
                               </p:par>
                               <p:par>
-                                <p:cTn id="17" presetID="10" presetClass="entr" presetSubtype="0" fill="hold" nodeType="withEffect">
+                                <p:cTn id="11" presetID="10" presetClass="entr" presetSubtype="0" fill="hold" nodeType="withEffect">
                                   <p:stCondLst>
                                     <p:cond delay="0"/>
                                   </p:stCondLst>
                                   <p:childTnLst>
                                     <p:set>
                                       <p:cBhvr>
-                                        <p:cTn id="18" dur="1" fill="hold">
+                                        <p:cTn id="12" dur="1" fill="hold">
                                           <p:stCondLst>
                                             <p:cond delay="0"/>
                                           </p:stCondLst>
@@ -18509,7 +18186,7 @@
                                     </p:set>
                                     <p:animEffect transition="in" filter="fade">
                                       <p:cBhvr>
-                                        <p:cTn id="19" dur="500"/>
+                                        <p:cTn id="13" dur="500"/>
                                         <p:tgtEl>
                                           <p:spTgt spid="18"/>
                                         </p:tgtEl>
@@ -18519,14 +18196,14 @@
                                 </p:cTn>
                               </p:par>
                               <p:par>
-                                <p:cTn id="20" presetID="10" presetClass="entr" presetSubtype="0" fill="hold" grpId="0" nodeType="withEffect">
+                                <p:cTn id="14" presetID="10" presetClass="entr" presetSubtype="0" fill="hold" grpId="0" nodeType="withEffect">
                                   <p:stCondLst>
                                     <p:cond delay="0"/>
                                   </p:stCondLst>
                                   <p:childTnLst>
                                     <p:set>
                                       <p:cBhvr>
-                                        <p:cTn id="21" dur="1" fill="hold">
+                                        <p:cTn id="15" dur="1" fill="hold">
                                           <p:stCondLst>
                                             <p:cond delay="0"/>
                                           </p:stCondLst>
@@ -18544,7 +18221,7 @@
                                     </p:set>
                                     <p:animEffect transition="in" filter="fade">
                                       <p:cBhvr>
-                                        <p:cTn id="22" dur="500"/>
+                                        <p:cTn id="16" dur="500"/>
                                         <p:tgtEl>
                                           <p:spTgt spid="19"/>
                                         </p:tgtEl>
@@ -18554,14 +18231,14 @@
                                 </p:cTn>
                               </p:par>
                               <p:par>
-                                <p:cTn id="23" presetID="10" presetClass="entr" presetSubtype="0" fill="hold" grpId="0" nodeType="withEffect">
+                                <p:cTn id="17" presetID="10" presetClass="entr" presetSubtype="0" fill="hold" grpId="0" nodeType="withEffect">
                                   <p:stCondLst>
                                     <p:cond delay="0"/>
                                   </p:stCondLst>
                                   <p:childTnLst>
                                     <p:set>
                                       <p:cBhvr>
-                                        <p:cTn id="24" dur="1" fill="hold">
+                                        <p:cTn id="18" dur="1" fill="hold">
                                           <p:stCondLst>
                                             <p:cond delay="0"/>
                                           </p:stCondLst>
@@ -18579,7 +18256,7 @@
                                     </p:set>
                                     <p:animEffect transition="in" filter="fade">
                                       <p:cBhvr>
-                                        <p:cTn id="25" dur="500"/>
+                                        <p:cTn id="19" dur="500"/>
                                         <p:tgtEl>
                                           <p:spTgt spid="20"/>
                                         </p:tgtEl>
@@ -18589,14 +18266,14 @@
                                 </p:cTn>
                               </p:par>
                               <p:par>
-                                <p:cTn id="26" presetID="10" presetClass="entr" presetSubtype="0" fill="hold" nodeType="withEffect">
+                                <p:cTn id="20" presetID="10" presetClass="entr" presetSubtype="0" fill="hold" nodeType="withEffect">
                                   <p:stCondLst>
                                     <p:cond delay="0"/>
                                   </p:stCondLst>
                                   <p:childTnLst>
                                     <p:set>
                                       <p:cBhvr>
-                                        <p:cTn id="27" dur="1" fill="hold">
+                                        <p:cTn id="21" dur="1" fill="hold">
                                           <p:stCondLst>
                                             <p:cond delay="0"/>
                                           </p:stCondLst>
@@ -18614,7 +18291,7 @@
                                     </p:set>
                                     <p:animEffect transition="in" filter="fade">
                                       <p:cBhvr>
-                                        <p:cTn id="28" dur="500"/>
+                                        <p:cTn id="22" dur="500"/>
                                         <p:tgtEl>
                                           <p:spTgt spid="21"/>
                                         </p:tgtEl>
@@ -18624,14 +18301,14 @@
                                 </p:cTn>
                               </p:par>
                               <p:par>
-                                <p:cTn id="29" presetID="10" presetClass="entr" presetSubtype="0" fill="hold" nodeType="withEffect">
+                                <p:cTn id="23" presetID="10" presetClass="entr" presetSubtype="0" fill="hold" nodeType="withEffect">
                                   <p:stCondLst>
                                     <p:cond delay="0"/>
                                   </p:stCondLst>
                                   <p:childTnLst>
                                     <p:set>
                                       <p:cBhvr>
-                                        <p:cTn id="30" dur="1" fill="hold">
+                                        <p:cTn id="24" dur="1" fill="hold">
                                           <p:stCondLst>
                                             <p:cond delay="0"/>
                                           </p:stCondLst>
@@ -18649,9 +18326,79 @@
                                     </p:set>
                                     <p:animEffect transition="in" filter="fade">
                                       <p:cBhvr>
+                                        <p:cTn id="25" dur="500"/>
+                                        <p:tgtEl>
+                                          <p:spTgt spid="22"/>
+                                        </p:tgtEl>
+                                      </p:cBhvr>
+                                    </p:animEffect>
+                                  </p:childTnLst>
+                                </p:cTn>
+                              </p:par>
+                              <p:par>
+                                <p:cTn id="26" presetID="10" presetClass="entr" presetSubtype="0" fill="hold" grpId="0" nodeType="withEffect">
+                                  <p:stCondLst>
+                                    <p:cond delay="0"/>
+                                  </p:stCondLst>
+                                  <p:childTnLst>
+                                    <p:set>
+                                      <p:cBhvr>
+                                        <p:cTn id="27" dur="1" fill="hold">
+                                          <p:stCondLst>
+                                            <p:cond delay="0"/>
+                                          </p:stCondLst>
+                                        </p:cTn>
+                                        <p:tgtEl>
+                                          <p:spTgt spid="23"/>
+                                        </p:tgtEl>
+                                        <p:attrNameLst>
+                                          <p:attrName>style.visibility</p:attrName>
+                                        </p:attrNameLst>
+                                      </p:cBhvr>
+                                      <p:to>
+                                        <p:strVal val="visible"/>
+                                      </p:to>
+                                    </p:set>
+                                    <p:animEffect transition="in" filter="fade">
+                                      <p:cBhvr>
+                                        <p:cTn id="28" dur="500"/>
+                                        <p:tgtEl>
+                                          <p:spTgt spid="23"/>
+                                        </p:tgtEl>
+                                      </p:cBhvr>
+                                    </p:animEffect>
+                                  </p:childTnLst>
+                                </p:cTn>
+                              </p:par>
+                              <p:par>
+                                <p:cTn id="29" presetID="10" presetClass="entr" presetSubtype="0" fill="hold" grpId="0" nodeType="withEffect">
+                                  <p:stCondLst>
+                                    <p:cond delay="0"/>
+                                  </p:stCondLst>
+                                  <p:childTnLst>
+                                    <p:set>
+                                      <p:cBhvr>
+                                        <p:cTn id="30" dur="1" fill="hold">
+                                          <p:stCondLst>
+                                            <p:cond delay="0"/>
+                                          </p:stCondLst>
+                                        </p:cTn>
+                                        <p:tgtEl>
+                                          <p:spTgt spid="36"/>
+                                        </p:tgtEl>
+                                        <p:attrNameLst>
+                                          <p:attrName>style.visibility</p:attrName>
+                                        </p:attrNameLst>
+                                      </p:cBhvr>
+                                      <p:to>
+                                        <p:strVal val="visible"/>
+                                      </p:to>
+                                    </p:set>
+                                    <p:animEffect transition="in" filter="fade">
+                                      <p:cBhvr>
                                         <p:cTn id="31" dur="500"/>
                                         <p:tgtEl>
-                                          <p:spTgt spid="22"/>
+                                          <p:spTgt spid="36"/>
                                         </p:tgtEl>
                                       </p:cBhvr>
                                     </p:animEffect>
@@ -18672,7 +18419,7 @@
                                           </p:stCondLst>
                                         </p:cTn>
                                         <p:tgtEl>
-                                          <p:spTgt spid="23"/>
+                                          <p:spTgt spid="37"/>
                                         </p:tgtEl>
                                         <p:attrNameLst>
                                           <p:attrName>style.visibility</p:attrName>
@@ -18686,76 +18433,6 @@
                                       <p:cBhvr>
                                         <p:cTn id="34" dur="500"/>
                                         <p:tgtEl>
-                                          <p:spTgt spid="23"/>
-                                        </p:tgtEl>
-                                      </p:cBhvr>
-                                    </p:animEffect>
-                                  </p:childTnLst>
-                                </p:cTn>
-                              </p:par>
-                              <p:par>
-                                <p:cTn id="35" presetID="10" presetClass="entr" presetSubtype="0" fill="hold" grpId="0" nodeType="withEffect">
-                                  <p:stCondLst>
-                                    <p:cond delay="0"/>
-                                  </p:stCondLst>
-                                  <p:childTnLst>
-                                    <p:set>
-                                      <p:cBhvr>
-                                        <p:cTn id="36" dur="1" fill="hold">
-                                          <p:stCondLst>
-                                            <p:cond delay="0"/>
-                                          </p:stCondLst>
-                                        </p:cTn>
-                                        <p:tgtEl>
-                                          <p:spTgt spid="36"/>
-                                        </p:tgtEl>
-                                        <p:attrNameLst>
-                                          <p:attrName>style.visibility</p:attrName>
-                                        </p:attrNameLst>
-                                      </p:cBhvr>
-                                      <p:to>
-                                        <p:strVal val="visible"/>
-                                      </p:to>
-                                    </p:set>
-                                    <p:animEffect transition="in" filter="fade">
-                                      <p:cBhvr>
-                                        <p:cTn id="37" dur="500"/>
-                                        <p:tgtEl>
-                                          <p:spTgt spid="36"/>
-                                        </p:tgtEl>
-                                      </p:cBhvr>
-                                    </p:animEffect>
-                                  </p:childTnLst>
-                                </p:cTn>
-                              </p:par>
-                              <p:par>
-                                <p:cTn id="38" presetID="10" presetClass="entr" presetSubtype="0" fill="hold" grpId="0" nodeType="withEffect">
-                                  <p:stCondLst>
-                                    <p:cond delay="0"/>
-                                  </p:stCondLst>
-                                  <p:childTnLst>
-                                    <p:set>
-                                      <p:cBhvr>
-                                        <p:cTn id="39" dur="1" fill="hold">
-                                          <p:stCondLst>
-                                            <p:cond delay="0"/>
-                                          </p:stCondLst>
-                                        </p:cTn>
-                                        <p:tgtEl>
-                                          <p:spTgt spid="37"/>
-                                        </p:tgtEl>
-                                        <p:attrNameLst>
-                                          <p:attrName>style.visibility</p:attrName>
-                                        </p:attrNameLst>
-                                      </p:cBhvr>
-                                      <p:to>
-                                        <p:strVal val="visible"/>
-                                      </p:to>
-                                    </p:set>
-                                    <p:animEffect transition="in" filter="fade">
-                                      <p:cBhvr>
-                                        <p:cTn id="40" dur="500"/>
-                                        <p:tgtEl>
                                           <p:spTgt spid="37"/>
                                         </p:tgtEl>
                                       </p:cBhvr>
@@ -18764,14 +18441,14 @@
                                 </p:cTn>
                               </p:par>
                               <p:par>
-                                <p:cTn id="41" presetID="10" presetClass="entr" presetSubtype="0" fill="hold" nodeType="withEffect">
+                                <p:cTn id="35" presetID="10" presetClass="entr" presetSubtype="0" fill="hold" nodeType="withEffect">
                                   <p:stCondLst>
                                     <p:cond delay="0"/>
                                   </p:stCondLst>
                                   <p:childTnLst>
                                     <p:set>
                                       <p:cBhvr>
-                                        <p:cTn id="42" dur="1" fill="hold">
+                                        <p:cTn id="36" dur="1" fill="hold">
                                           <p:stCondLst>
                                             <p:cond delay="0"/>
                                           </p:stCondLst>
@@ -18793,7 +18470,7 @@
                                     </p:set>
                                     <p:animEffect transition="in" filter="fade">
                                       <p:cBhvr>
-                                        <p:cTn id="43" dur="500"/>
+                                        <p:cTn id="37" dur="500"/>
                                         <p:tgtEl>
                                           <p:spTgt spid="3">
                                             <p:txEl>
@@ -18834,8 +18511,6 @@
       </p:par>
     </p:tnLst>
     <p:bldLst>
-      <p:bldP spid="45" grpId="0" animBg="1"/>
-      <p:bldP spid="44" grpId="0" animBg="1"/>
       <p:bldP spid="8" grpId="0" animBg="1"/>
       <p:bldP spid="19" grpId="0"/>
       <p:bldP spid="20" grpId="0" animBg="1"/>
@@ -18843,6 +18518,130 @@
       <p:bldP spid="36" grpId="0"/>
       <p:bldP spid="37" grpId="0"/>
     </p:bldLst>
+  </p:timing>
+</p:sld>
+</file>
+
+<file path=ppt/slides/slide9.xml><?xml version="1.0" encoding="utf-8"?>
+<p:sld xmlns:a="http://schemas.openxmlformats.org/drawingml/2006/main" xmlns:r="http://schemas.openxmlformats.org/officeDocument/2006/relationships" xmlns:p="http://schemas.openxmlformats.org/presentationml/2006/main">
+  <p:cSld>
+    <p:spTree>
+      <p:nvGrpSpPr>
+        <p:cNvPr id="1" name=""/>
+        <p:cNvGrpSpPr/>
+        <p:nvPr/>
+      </p:nvGrpSpPr>
+      <p:grpSpPr>
+        <a:xfrm>
+          <a:off x="0" y="0"/>
+          <a:ext cx="0" cy="0"/>
+          <a:chOff x="0" y="0"/>
+          <a:chExt cx="0" cy="0"/>
+        </a:xfrm>
+      </p:grpSpPr>
+      <p:sp>
+        <p:nvSpPr>
+          <p:cNvPr id="2" name="제목 1"/>
+          <p:cNvSpPr>
+            <a:spLocks noGrp="1"/>
+          </p:cNvSpPr>
+          <p:nvPr>
+            <p:ph type="title"/>
+          </p:nvPr>
+        </p:nvSpPr>
+        <p:spPr/>
+        <p:txBody>
+          <a:bodyPr/>
+          <a:lstStyle/>
+          <a:p>
+            <a:r>
+              <a:rPr lang="en-US" altLang="ko-KR" dirty="0" smtClean="0"/>
+              <a:t>Future work</a:t>
+            </a:r>
+            <a:endParaRPr lang="ko-KR" altLang="en-US" dirty="0"/>
+          </a:p>
+        </p:txBody>
+      </p:sp>
+      <p:sp>
+        <p:nvSpPr>
+          <p:cNvPr id="3" name="내용 개체 틀 2"/>
+          <p:cNvSpPr>
+            <a:spLocks noGrp="1"/>
+          </p:cNvSpPr>
+          <p:nvPr>
+            <p:ph idx="1"/>
+          </p:nvPr>
+        </p:nvSpPr>
+        <p:spPr/>
+        <p:txBody>
+          <a:bodyPr/>
+          <a:lstStyle/>
+          <a:p>
+            <a:r>
+              <a:rPr lang="en-US" altLang="ko-KR" dirty="0" smtClean="0"/>
+              <a:t>Bandwidth modeling</a:t>
+            </a:r>
+          </a:p>
+          <a:p>
+            <a:pPr lvl="1"/>
+            <a:r>
+              <a:rPr lang="en-US" altLang="ko-KR" dirty="0" smtClean="0"/>
+              <a:t>Find relationship between Bandwidth and PLR</a:t>
+            </a:r>
+          </a:p>
+          <a:p>
+            <a:r>
+              <a:rPr lang="en-US" altLang="ko-KR" dirty="0" smtClean="0"/>
+              <a:t>Modify Algorithm detail</a:t>
+            </a:r>
+          </a:p>
+        </p:txBody>
+      </p:sp>
+      <p:sp>
+        <p:nvSpPr>
+          <p:cNvPr id="4" name="슬라이드 번호 개체 틀 3"/>
+          <p:cNvSpPr>
+            <a:spLocks noGrp="1"/>
+          </p:cNvSpPr>
+          <p:nvPr>
+            <p:ph type="sldNum" sz="quarter" idx="10"/>
+          </p:nvPr>
+        </p:nvSpPr>
+        <p:spPr/>
+        <p:txBody>
+          <a:bodyPr/>
+          <a:lstStyle/>
+          <a:p>
+            <a:pPr>
+              <a:defRPr/>
+            </a:pPr>
+            <a:fld id="{3AC61161-2E5C-46D0-95EC-509A5D61BACE}" type="slidenum">
+              <a:rPr lang="en-US" altLang="ko-KR" smtClean="0"/>
+              <a:pPr>
+                <a:defRPr/>
+              </a:pPr>
+              <a:t>9</a:t>
+            </a:fld>
+            <a:endParaRPr lang="en-US" altLang="ko-KR" dirty="0"/>
+          </a:p>
+        </p:txBody>
+      </p:sp>
+    </p:spTree>
+    <p:extLst>
+      <p:ext uri="{BB962C8B-B14F-4D97-AF65-F5344CB8AC3E}">
+        <p14:creationId xmlns:p14="http://schemas.microsoft.com/office/powerpoint/2010/main" val="982302902"/>
+      </p:ext>
+    </p:extLst>
+  </p:cSld>
+  <p:clrMapOvr>
+    <a:masterClrMapping/>
+  </p:clrMapOvr>
+  <p:timing>
+    <p:tnLst>
+      <p:par>
+        <p:cTn id="1" dur="indefinite" restart="never" nodeType="tmRoot"/>
+      </p:par>
+    </p:tnLst>
   </p:timing>
 </p:sld>
 </file>
